--- a/Gaming-Hours-vs-Academic-and-Work-Performance.pptx
+++ b/Gaming-Hours-vs-Academic-and-Work-Performance.pptx
@@ -131,10 +131,7 @@
 <file path=ppt/revisionInfo.xml><?xml version="1.0" encoding="utf-8"?>
 <p1510:revInfo xmlns:a="http://schemas.openxmlformats.org/drawingml/2006/main" xmlns:r="http://schemas.openxmlformats.org/officeDocument/2006/relationships" xmlns:p1510="http://schemas.microsoft.com/office/powerpoint/2015/10/main">
   <p1510:revLst>
-    <p1510:client id="{3F5054B7-AE5A-46CE-9658-8AD29DA9C5C8}" v="499" dt="2026-01-15T10:58:08.324"/>
-    <p1510:client id="{66A6BD80-0B60-A8F1-37EB-16EF4276F48E}" v="901" dt="2026-01-15T17:39:25.966"/>
-    <p1510:client id="{6BCEE390-1355-5F51-5D1B-B7332667C44A}" v="2" dt="2026-01-15T12:01:06.323"/>
-    <p1510:client id="{90C4C8E8-276C-49AE-A6E3-7579E7320104}" v="2370" dt="2026-01-15T17:38:37.451"/>
+    <p1510:client id="{90C4C8E8-276C-49AE-A6E3-7579E7320104}" v="1" dt="2026-01-31T11:06:01.937"/>
   </p1510:revLst>
 </p1510:revInfo>
 </file>
@@ -142,522 +139,9 @@
 <file path=ppt/changesInfos/changesInfo1.xml><?xml version="1.0" encoding="utf-8"?>
 <pc:chgInfo xmlns:a="http://schemas.openxmlformats.org/drawingml/2006/main" xmlns:r="http://schemas.openxmlformats.org/officeDocument/2006/relationships" xmlns:ac="http://schemas.microsoft.com/office/drawing/2013/main/command" xmlns:pc="http://schemas.microsoft.com/office/powerpoint/2013/main/command">
   <pc:docChgLst>
-    <pc:chgData name="ALESSANDRO CIGLIANO" userId="f88872c2-4bc9-4d31-b05d-5a0cf3aafa9e" providerId="ADAL" clId="{9A025614-52A0-40B7-8307-9050F7E20BBC}"/>
-    <pc:docChg chg="undo custSel modSld">
-      <pc:chgData name="ALESSANDRO CIGLIANO" userId="f88872c2-4bc9-4d31-b05d-5a0cf3aafa9e" providerId="ADAL" clId="{9A025614-52A0-40B7-8307-9050F7E20BBC}" dt="2026-01-15T10:58:08.324" v="498" actId="20577"/>
-      <pc:docMkLst>
-        <pc:docMk/>
-      </pc:docMkLst>
-      <pc:sldChg chg="addSp delSp modSp mod">
-        <pc:chgData name="ALESSANDRO CIGLIANO" userId="f88872c2-4bc9-4d31-b05d-5a0cf3aafa9e" providerId="ADAL" clId="{9A025614-52A0-40B7-8307-9050F7E20BBC}" dt="2026-01-15T09:45:07.397" v="29" actId="14100"/>
-        <pc:sldMkLst>
-          <pc:docMk/>
-          <pc:sldMk cId="1723125402" sldId="262"/>
-        </pc:sldMkLst>
-        <pc:spChg chg="add del mod">
-          <ac:chgData name="ALESSANDRO CIGLIANO" userId="f88872c2-4bc9-4d31-b05d-5a0cf3aafa9e" providerId="ADAL" clId="{9A025614-52A0-40B7-8307-9050F7E20BBC}" dt="2026-01-15T09:44:56.709" v="26" actId="931"/>
-          <ac:spMkLst>
-            <pc:docMk/>
-            <pc:sldMk cId="1723125402" sldId="262"/>
-            <ac:spMk id="3" creationId="{A13693A3-4809-D50D-DCFB-83D29A1A5DED}"/>
-          </ac:spMkLst>
-        </pc:spChg>
-        <pc:spChg chg="mod">
-          <ac:chgData name="ALESSANDRO CIGLIANO" userId="f88872c2-4bc9-4d31-b05d-5a0cf3aafa9e" providerId="ADAL" clId="{9A025614-52A0-40B7-8307-9050F7E20BBC}" dt="2026-01-15T09:34:29.337" v="8" actId="1076"/>
-          <ac:spMkLst>
-            <pc:docMk/>
-            <pc:sldMk cId="1723125402" sldId="262"/>
-            <ac:spMk id="4" creationId="{4F06BDFE-4A1C-D6E9-C283-2247E3036892}"/>
-          </ac:spMkLst>
-        </pc:spChg>
-        <pc:spChg chg="mod">
-          <ac:chgData name="ALESSANDRO CIGLIANO" userId="f88872c2-4bc9-4d31-b05d-5a0cf3aafa9e" providerId="ADAL" clId="{9A025614-52A0-40B7-8307-9050F7E20BBC}" dt="2026-01-15T09:44:04.896" v="18" actId="20577"/>
-          <ac:spMkLst>
-            <pc:docMk/>
-            <pc:sldMk cId="1723125402" sldId="262"/>
-            <ac:spMk id="7" creationId="{C551DDE1-1E1F-F6AA-0436-C98EA7335CE0}"/>
-          </ac:spMkLst>
-        </pc:spChg>
-        <pc:spChg chg="add del mod">
-          <ac:chgData name="ALESSANDRO CIGLIANO" userId="f88872c2-4bc9-4d31-b05d-5a0cf3aafa9e" providerId="ADAL" clId="{9A025614-52A0-40B7-8307-9050F7E20BBC}" dt="2026-01-15T09:44:34.204" v="23" actId="478"/>
-          <ac:spMkLst>
-            <pc:docMk/>
-            <pc:sldMk cId="1723125402" sldId="262"/>
-            <ac:spMk id="10" creationId="{C254416D-4C30-C5DC-D58C-9754F511DFAA}"/>
-          </ac:spMkLst>
-        </pc:spChg>
-        <pc:picChg chg="add del mod">
-          <ac:chgData name="ALESSANDRO CIGLIANO" userId="f88872c2-4bc9-4d31-b05d-5a0cf3aafa9e" providerId="ADAL" clId="{9A025614-52A0-40B7-8307-9050F7E20BBC}" dt="2026-01-15T09:44:34.475" v="25" actId="931"/>
-          <ac:picMkLst>
-            <pc:docMk/>
-            <pc:sldMk cId="1723125402" sldId="262"/>
-            <ac:picMk id="8" creationId="{C1730B9C-EE5E-95D0-6956-3A9A8FF0D5A7}"/>
-          </ac:picMkLst>
-        </pc:picChg>
-        <pc:picChg chg="add mod">
-          <ac:chgData name="ALESSANDRO CIGLIANO" userId="f88872c2-4bc9-4d31-b05d-5a0cf3aafa9e" providerId="ADAL" clId="{9A025614-52A0-40B7-8307-9050F7E20BBC}" dt="2026-01-15T09:45:07.397" v="29" actId="14100"/>
-          <ac:picMkLst>
-            <pc:docMk/>
-            <pc:sldMk cId="1723125402" sldId="262"/>
-            <ac:picMk id="12" creationId="{E9CECB1A-D5D6-4A80-E618-294B06177B0E}"/>
-          </ac:picMkLst>
-        </pc:picChg>
-      </pc:sldChg>
-      <pc:sldChg chg="modSp mod">
-        <pc:chgData name="ALESSANDRO CIGLIANO" userId="f88872c2-4bc9-4d31-b05d-5a0cf3aafa9e" providerId="ADAL" clId="{9A025614-52A0-40B7-8307-9050F7E20BBC}" dt="2026-01-15T09:51:03.341" v="31" actId="1076"/>
-        <pc:sldMkLst>
-          <pc:docMk/>
-          <pc:sldMk cId="2682537389" sldId="263"/>
-        </pc:sldMkLst>
-        <pc:picChg chg="mod">
-          <ac:chgData name="ALESSANDRO CIGLIANO" userId="f88872c2-4bc9-4d31-b05d-5a0cf3aafa9e" providerId="ADAL" clId="{9A025614-52A0-40B7-8307-9050F7E20BBC}" dt="2026-01-15T09:51:00.977" v="30" actId="1076"/>
-          <ac:picMkLst>
-            <pc:docMk/>
-            <pc:sldMk cId="2682537389" sldId="263"/>
-            <ac:picMk id="8" creationId="{C2452485-80BB-3218-EC8A-A47D6698825E}"/>
-          </ac:picMkLst>
-        </pc:picChg>
-        <pc:picChg chg="mod">
-          <ac:chgData name="ALESSANDRO CIGLIANO" userId="f88872c2-4bc9-4d31-b05d-5a0cf3aafa9e" providerId="ADAL" clId="{9A025614-52A0-40B7-8307-9050F7E20BBC}" dt="2026-01-15T09:51:03.341" v="31" actId="1076"/>
-          <ac:picMkLst>
-            <pc:docMk/>
-            <pc:sldMk cId="2682537389" sldId="263"/>
-            <ac:picMk id="18" creationId="{0EB9D404-71A6-95F6-83A3-22B653DBECC3}"/>
-          </ac:picMkLst>
-        </pc:picChg>
-      </pc:sldChg>
-      <pc:sldChg chg="delSp modSp mod">
-        <pc:chgData name="ALESSANDRO CIGLIANO" userId="f88872c2-4bc9-4d31-b05d-5a0cf3aafa9e" providerId="ADAL" clId="{9A025614-52A0-40B7-8307-9050F7E20BBC}" dt="2026-01-15T10:11:51.024" v="67" actId="1076"/>
-        <pc:sldMkLst>
-          <pc:docMk/>
-          <pc:sldMk cId="3139327782" sldId="264"/>
-        </pc:sldMkLst>
-        <pc:spChg chg="mod">
-          <ac:chgData name="ALESSANDRO CIGLIANO" userId="f88872c2-4bc9-4d31-b05d-5a0cf3aafa9e" providerId="ADAL" clId="{9A025614-52A0-40B7-8307-9050F7E20BBC}" dt="2026-01-15T10:11:51.024" v="67" actId="1076"/>
-          <ac:spMkLst>
-            <pc:docMk/>
-            <pc:sldMk cId="3139327782" sldId="264"/>
-            <ac:spMk id="5" creationId="{EECD4F23-5667-FCD8-C424-EFAE56BD5180}"/>
-          </ac:spMkLst>
-        </pc:spChg>
-        <pc:picChg chg="mod ord">
-          <ac:chgData name="ALESSANDRO CIGLIANO" userId="f88872c2-4bc9-4d31-b05d-5a0cf3aafa9e" providerId="ADAL" clId="{9A025614-52A0-40B7-8307-9050F7E20BBC}" dt="2026-01-15T10:09:52.307" v="56" actId="1076"/>
-          <ac:picMkLst>
-            <pc:docMk/>
-            <pc:sldMk cId="3139327782" sldId="264"/>
-            <ac:picMk id="3" creationId="{28A3C189-F4D4-394C-A747-39BC8CA190C5}"/>
-          </ac:picMkLst>
-        </pc:picChg>
-        <pc:picChg chg="del mod">
-          <ac:chgData name="ALESSANDRO CIGLIANO" userId="f88872c2-4bc9-4d31-b05d-5a0cf3aafa9e" providerId="ADAL" clId="{9A025614-52A0-40B7-8307-9050F7E20BBC}" dt="2026-01-15T10:10:32.499" v="64" actId="478"/>
-          <ac:picMkLst>
-            <pc:docMk/>
-            <pc:sldMk cId="3139327782" sldId="264"/>
-            <ac:picMk id="4" creationId="{AE5E0B4D-925D-7FE8-5033-42F88071E462}"/>
-          </ac:picMkLst>
-        </pc:picChg>
-        <pc:picChg chg="mod">
-          <ac:chgData name="ALESSANDRO CIGLIANO" userId="f88872c2-4bc9-4d31-b05d-5a0cf3aafa9e" providerId="ADAL" clId="{9A025614-52A0-40B7-8307-9050F7E20BBC}" dt="2026-01-15T10:10:35.336" v="65" actId="1076"/>
-          <ac:picMkLst>
-            <pc:docMk/>
-            <pc:sldMk cId="3139327782" sldId="264"/>
-            <ac:picMk id="7" creationId="{FBA89CF4-26FD-5D2D-813D-84C60C2D9DB6}"/>
-          </ac:picMkLst>
-        </pc:picChg>
-      </pc:sldChg>
-      <pc:sldChg chg="addSp modSp mod">
-        <pc:chgData name="ALESSANDRO CIGLIANO" userId="f88872c2-4bc9-4d31-b05d-5a0cf3aafa9e" providerId="ADAL" clId="{9A025614-52A0-40B7-8307-9050F7E20BBC}" dt="2026-01-15T10:22:35.770" v="80" actId="962"/>
-        <pc:sldMkLst>
-          <pc:docMk/>
-          <pc:sldMk cId="2122952547" sldId="265"/>
-        </pc:sldMkLst>
-        <pc:picChg chg="add mod">
-          <ac:chgData name="ALESSANDRO CIGLIANO" userId="f88872c2-4bc9-4d31-b05d-5a0cf3aafa9e" providerId="ADAL" clId="{9A025614-52A0-40B7-8307-9050F7E20BBC}" dt="2026-01-15T10:19:47.144" v="72" actId="1076"/>
-          <ac:picMkLst>
-            <pc:docMk/>
-            <pc:sldMk cId="2122952547" sldId="265"/>
-            <ac:picMk id="4" creationId="{73C57AF8-F9E7-D588-8CA2-A04E515435BE}"/>
-          </ac:picMkLst>
-        </pc:picChg>
-        <pc:picChg chg="add mod">
-          <ac:chgData name="ALESSANDRO CIGLIANO" userId="f88872c2-4bc9-4d31-b05d-5a0cf3aafa9e" providerId="ADAL" clId="{9A025614-52A0-40B7-8307-9050F7E20BBC}" dt="2026-01-15T10:20:08.245" v="76" actId="1076"/>
-          <ac:picMkLst>
-            <pc:docMk/>
-            <pc:sldMk cId="2122952547" sldId="265"/>
-            <ac:picMk id="6" creationId="{3A9FB1EE-47D7-7FE6-20EC-8D27BF63B28F}"/>
-          </ac:picMkLst>
-        </pc:picChg>
-        <pc:picChg chg="add mod">
-          <ac:chgData name="ALESSANDRO CIGLIANO" userId="f88872c2-4bc9-4d31-b05d-5a0cf3aafa9e" providerId="ADAL" clId="{9A025614-52A0-40B7-8307-9050F7E20BBC}" dt="2026-01-15T10:22:35.770" v="80" actId="962"/>
-          <ac:picMkLst>
-            <pc:docMk/>
-            <pc:sldMk cId="2122952547" sldId="265"/>
-            <ac:picMk id="8" creationId="{DF08721C-0266-70D4-64FA-A79E1B01700E}"/>
-          </ac:picMkLst>
-        </pc:picChg>
-      </pc:sldChg>
-      <pc:sldChg chg="addSp modSp mod">
-        <pc:chgData name="ALESSANDRO CIGLIANO" userId="f88872c2-4bc9-4d31-b05d-5a0cf3aafa9e" providerId="ADAL" clId="{9A025614-52A0-40B7-8307-9050F7E20BBC}" dt="2026-01-15T10:44:00.286" v="168" actId="20577"/>
-        <pc:sldMkLst>
-          <pc:docMk/>
-          <pc:sldMk cId="2735039166" sldId="266"/>
-        </pc:sldMkLst>
-        <pc:spChg chg="mod">
-          <ac:chgData name="ALESSANDRO CIGLIANO" userId="f88872c2-4bc9-4d31-b05d-5a0cf3aafa9e" providerId="ADAL" clId="{9A025614-52A0-40B7-8307-9050F7E20BBC}" dt="2026-01-15T10:44:00.286" v="168" actId="20577"/>
-          <ac:spMkLst>
-            <pc:docMk/>
-            <pc:sldMk cId="2735039166" sldId="266"/>
-            <ac:spMk id="2" creationId="{19E66ECF-01C1-D4B0-560D-DFE938F1FA08}"/>
-          </ac:spMkLst>
-        </pc:spChg>
-        <pc:picChg chg="add mod">
-          <ac:chgData name="ALESSANDRO CIGLIANO" userId="f88872c2-4bc9-4d31-b05d-5a0cf3aafa9e" providerId="ADAL" clId="{9A025614-52A0-40B7-8307-9050F7E20BBC}" dt="2026-01-15T10:43:36.477" v="134" actId="1076"/>
-          <ac:picMkLst>
-            <pc:docMk/>
-            <pc:sldMk cId="2735039166" sldId="266"/>
-            <ac:picMk id="4" creationId="{0626CA62-1BD6-5102-19C6-F351EF638E71}"/>
-          </ac:picMkLst>
-        </pc:picChg>
-      </pc:sldChg>
-      <pc:sldChg chg="addSp delSp modSp mod setBg addAnim">
-        <pc:chgData name="ALESSANDRO CIGLIANO" userId="f88872c2-4bc9-4d31-b05d-5a0cf3aafa9e" providerId="ADAL" clId="{9A025614-52A0-40B7-8307-9050F7E20BBC}" dt="2026-01-15T10:42:03.383" v="119" actId="1076"/>
-        <pc:sldMkLst>
-          <pc:docMk/>
-          <pc:sldMk cId="3447666297" sldId="266"/>
-        </pc:sldMkLst>
-        <pc:spChg chg="mod ord">
-          <ac:chgData name="ALESSANDRO CIGLIANO" userId="f88872c2-4bc9-4d31-b05d-5a0cf3aafa9e" providerId="ADAL" clId="{9A025614-52A0-40B7-8307-9050F7E20BBC}" dt="2026-01-15T10:40:41.137" v="111" actId="26606"/>
-          <ac:spMkLst>
-            <pc:docMk/>
-            <pc:sldMk cId="3447666297" sldId="266"/>
-            <ac:spMk id="2" creationId="{EB631800-C8D8-E984-6ACD-59224395B66B}"/>
-          </ac:spMkLst>
-        </pc:spChg>
-        <pc:spChg chg="add del">
-          <ac:chgData name="ALESSANDRO CIGLIANO" userId="f88872c2-4bc9-4d31-b05d-5a0cf3aafa9e" providerId="ADAL" clId="{9A025614-52A0-40B7-8307-9050F7E20BBC}" dt="2026-01-15T10:40:26.228" v="106" actId="26606"/>
-          <ac:spMkLst>
-            <pc:docMk/>
-            <pc:sldMk cId="3447666297" sldId="266"/>
-            <ac:spMk id="230" creationId="{8B3F5CD4-CBC8-4A22-9DCC-0420CA28A09F}"/>
-          </ac:spMkLst>
-        </pc:spChg>
-        <pc:spChg chg="add del">
-          <ac:chgData name="ALESSANDRO CIGLIANO" userId="f88872c2-4bc9-4d31-b05d-5a0cf3aafa9e" providerId="ADAL" clId="{9A025614-52A0-40B7-8307-9050F7E20BBC}" dt="2026-01-15T10:40:41.137" v="111" actId="26606"/>
-          <ac:spMkLst>
-            <pc:docMk/>
-            <pc:sldMk cId="3447666297" sldId="266"/>
-            <ac:spMk id="293" creationId="{01958E0A-0BC1-424F-9B41-D614FC13A47E}"/>
-          </ac:spMkLst>
-        </pc:spChg>
-        <pc:spChg chg="add">
-          <ac:chgData name="ALESSANDRO CIGLIANO" userId="f88872c2-4bc9-4d31-b05d-5a0cf3aafa9e" providerId="ADAL" clId="{9A025614-52A0-40B7-8307-9050F7E20BBC}" dt="2026-01-15T10:40:41.137" v="111" actId="26606"/>
-          <ac:spMkLst>
-            <pc:docMk/>
-            <pc:sldMk cId="3447666297" sldId="266"/>
-            <ac:spMk id="440" creationId="{8B3F5CD4-CBC8-4A22-9DCC-0420CA28A09F}"/>
-          </ac:spMkLst>
-        </pc:spChg>
-        <pc:grpChg chg="add del">
-          <ac:chgData name="ALESSANDRO CIGLIANO" userId="f88872c2-4bc9-4d31-b05d-5a0cf3aafa9e" providerId="ADAL" clId="{9A025614-52A0-40B7-8307-9050F7E20BBC}" dt="2026-01-15T10:40:08.159" v="101" actId="26606"/>
-          <ac:grpSpMkLst>
-            <pc:docMk/>
-            <pc:sldMk cId="3447666297" sldId="266"/>
-            <ac:grpSpMk id="17" creationId="{9795E515-5F57-431F-9A0D-3A0419DF7572}"/>
-          </ac:grpSpMkLst>
-        </pc:grpChg>
-        <pc:grpChg chg="add del">
-          <ac:chgData name="ALESSANDRO CIGLIANO" userId="f88872c2-4bc9-4d31-b05d-5a0cf3aafa9e" providerId="ADAL" clId="{9A025614-52A0-40B7-8307-9050F7E20BBC}" dt="2026-01-15T10:40:08.159" v="101" actId="26606"/>
-          <ac:grpSpMkLst>
-            <pc:docMk/>
-            <pc:sldMk cId="3447666297" sldId="266"/>
-            <ac:grpSpMk id="73" creationId="{096A8A5D-137F-4A8A-9811-F7A867F02E3F}"/>
-          </ac:grpSpMkLst>
-        </pc:grpChg>
-        <pc:grpChg chg="add del">
-          <ac:chgData name="ALESSANDRO CIGLIANO" userId="f88872c2-4bc9-4d31-b05d-5a0cf3aafa9e" providerId="ADAL" clId="{9A025614-52A0-40B7-8307-9050F7E20BBC}" dt="2026-01-15T10:40:08.159" v="101" actId="26606"/>
-          <ac:grpSpMkLst>
-            <pc:docMk/>
-            <pc:sldMk cId="3447666297" sldId="266"/>
-            <ac:grpSpMk id="77" creationId="{0FA686C7-6B08-416F-AEF3-C204079363A8}"/>
-          </ac:grpSpMkLst>
-        </pc:grpChg>
-        <pc:grpChg chg="add del">
-          <ac:chgData name="ALESSANDRO CIGLIANO" userId="f88872c2-4bc9-4d31-b05d-5a0cf3aafa9e" providerId="ADAL" clId="{9A025614-52A0-40B7-8307-9050F7E20BBC}" dt="2026-01-15T10:40:08.159" v="101" actId="26606"/>
-          <ac:grpSpMkLst>
-            <pc:docMk/>
-            <pc:sldMk cId="3447666297" sldId="266"/>
-            <ac:grpSpMk id="133" creationId="{4C78E281-F596-4ECB-979A-89D89452AAD7}"/>
-          </ac:grpSpMkLst>
-        </pc:grpChg>
-        <pc:grpChg chg="add del">
-          <ac:chgData name="ALESSANDRO CIGLIANO" userId="f88872c2-4bc9-4d31-b05d-5a0cf3aafa9e" providerId="ADAL" clId="{9A025614-52A0-40B7-8307-9050F7E20BBC}" dt="2026-01-15T10:40:11.367" v="103" actId="26606"/>
-          <ac:grpSpMkLst>
-            <pc:docMk/>
-            <pc:sldMk cId="3447666297" sldId="266"/>
-            <ac:grpSpMk id="146" creationId="{9795E515-5F57-431F-9A0D-3A0419DF7572}"/>
-          </ac:grpSpMkLst>
-        </pc:grpChg>
-        <pc:grpChg chg="add del">
-          <ac:chgData name="ALESSANDRO CIGLIANO" userId="f88872c2-4bc9-4d31-b05d-5a0cf3aafa9e" providerId="ADAL" clId="{9A025614-52A0-40B7-8307-9050F7E20BBC}" dt="2026-01-15T10:40:11.367" v="103" actId="26606"/>
-          <ac:grpSpMkLst>
-            <pc:docMk/>
-            <pc:sldMk cId="3447666297" sldId="266"/>
-            <ac:grpSpMk id="201" creationId="{068ACACB-DD9E-4155-84BF-8E4D43DEC13D}"/>
-          </ac:grpSpMkLst>
-        </pc:grpChg>
-        <pc:grpChg chg="add del">
-          <ac:chgData name="ALESSANDRO CIGLIANO" userId="f88872c2-4bc9-4d31-b05d-5a0cf3aafa9e" providerId="ADAL" clId="{9A025614-52A0-40B7-8307-9050F7E20BBC}" dt="2026-01-15T10:40:11.367" v="103" actId="26606"/>
-          <ac:grpSpMkLst>
-            <pc:docMk/>
-            <pc:sldMk cId="3447666297" sldId="266"/>
-            <ac:grpSpMk id="204" creationId="{BF3AEE19-128A-4FF8-954B-A9724F42E0D4}"/>
-          </ac:grpSpMkLst>
-        </pc:grpChg>
-        <pc:grpChg chg="add del">
-          <ac:chgData name="ALESSANDRO CIGLIANO" userId="f88872c2-4bc9-4d31-b05d-5a0cf3aafa9e" providerId="ADAL" clId="{9A025614-52A0-40B7-8307-9050F7E20BBC}" dt="2026-01-15T10:40:26.228" v="106" actId="26606"/>
-          <ac:grpSpMkLst>
-            <pc:docMk/>
-            <pc:sldMk cId="3447666297" sldId="266"/>
-            <ac:grpSpMk id="229" creationId="{9795E515-5F57-431F-9A0D-3A0419DF7572}"/>
-          </ac:grpSpMkLst>
-        </pc:grpChg>
-        <pc:grpChg chg="add del">
-          <ac:chgData name="ALESSANDRO CIGLIANO" userId="f88872c2-4bc9-4d31-b05d-5a0cf3aafa9e" providerId="ADAL" clId="{9A025614-52A0-40B7-8307-9050F7E20BBC}" dt="2026-01-15T10:40:41.137" v="111" actId="26606"/>
-          <ac:grpSpMkLst>
-            <pc:docMk/>
-            <pc:sldMk cId="3447666297" sldId="266"/>
-            <ac:grpSpMk id="237" creationId="{9795E515-5F57-431F-9A0D-3A0419DF7572}"/>
-          </ac:grpSpMkLst>
-        </pc:grpChg>
-        <pc:grpChg chg="add del">
-          <ac:chgData name="ALESSANDRO CIGLIANO" userId="f88872c2-4bc9-4d31-b05d-5a0cf3aafa9e" providerId="ADAL" clId="{9A025614-52A0-40B7-8307-9050F7E20BBC}" dt="2026-01-15T10:40:41.118" v="110" actId="26606"/>
-          <ac:grpSpMkLst>
-            <pc:docMk/>
-            <pc:sldMk cId="3447666297" sldId="266"/>
-            <ac:grpSpMk id="300" creationId="{9795E515-5F57-431F-9A0D-3A0419DF7572}"/>
-          </ac:grpSpMkLst>
-        </pc:grpChg>
-        <pc:grpChg chg="add del">
-          <ac:chgData name="ALESSANDRO CIGLIANO" userId="f88872c2-4bc9-4d31-b05d-5a0cf3aafa9e" providerId="ADAL" clId="{9A025614-52A0-40B7-8307-9050F7E20BBC}" dt="2026-01-15T10:40:41.118" v="110" actId="26606"/>
-          <ac:grpSpMkLst>
-            <pc:docMk/>
-            <pc:sldMk cId="3447666297" sldId="266"/>
-            <ac:grpSpMk id="356" creationId="{316DCFC9-6877-407C-8170-608FCB8E35AE}"/>
-          </ac:grpSpMkLst>
-        </pc:grpChg>
-        <pc:grpChg chg="add del">
-          <ac:chgData name="ALESSANDRO CIGLIANO" userId="f88872c2-4bc9-4d31-b05d-5a0cf3aafa9e" providerId="ADAL" clId="{9A025614-52A0-40B7-8307-9050F7E20BBC}" dt="2026-01-15T10:40:41.118" v="110" actId="26606"/>
-          <ac:grpSpMkLst>
-            <pc:docMk/>
-            <pc:sldMk cId="3447666297" sldId="266"/>
-            <ac:grpSpMk id="360" creationId="{89353FE7-0D03-4AD2-8B8A-60A06F6BDA4C}"/>
-          </ac:grpSpMkLst>
-        </pc:grpChg>
-        <pc:grpChg chg="add">
-          <ac:chgData name="ALESSANDRO CIGLIANO" userId="f88872c2-4bc9-4d31-b05d-5a0cf3aafa9e" providerId="ADAL" clId="{9A025614-52A0-40B7-8307-9050F7E20BBC}" dt="2026-01-15T10:40:41.137" v="111" actId="26606"/>
-          <ac:grpSpMkLst>
-            <pc:docMk/>
-            <pc:sldMk cId="3447666297" sldId="266"/>
-            <ac:grpSpMk id="385" creationId="{9795E515-5F57-431F-9A0D-3A0419DF7572}"/>
-          </ac:grpSpMkLst>
-        </pc:grpChg>
-        <pc:picChg chg="add del mod">
-          <ac:chgData name="ALESSANDRO CIGLIANO" userId="f88872c2-4bc9-4d31-b05d-5a0cf3aafa9e" providerId="ADAL" clId="{9A025614-52A0-40B7-8307-9050F7E20BBC}" dt="2026-01-15T10:32:41.890" v="84" actId="478"/>
-          <ac:picMkLst>
-            <pc:docMk/>
-            <pc:sldMk cId="3447666297" sldId="266"/>
-            <ac:picMk id="4" creationId="{961D56DB-24A5-CA8D-AC5A-BF037FC7B9B7}"/>
-          </ac:picMkLst>
-        </pc:picChg>
-        <pc:picChg chg="del mod">
-          <ac:chgData name="ALESSANDRO CIGLIANO" userId="f88872c2-4bc9-4d31-b05d-5a0cf3aafa9e" providerId="ADAL" clId="{9A025614-52A0-40B7-8307-9050F7E20BBC}" dt="2026-01-15T10:39:06.536" v="93" actId="478"/>
-          <ac:picMkLst>
-            <pc:docMk/>
-            <pc:sldMk cId="3447666297" sldId="266"/>
-            <ac:picMk id="5" creationId="{C8E6C4DC-9975-B039-7D73-9191474CD962}"/>
-          </ac:picMkLst>
-        </pc:picChg>
-        <pc:picChg chg="add mod">
-          <ac:chgData name="ALESSANDRO CIGLIANO" userId="f88872c2-4bc9-4d31-b05d-5a0cf3aafa9e" providerId="ADAL" clId="{9A025614-52A0-40B7-8307-9050F7E20BBC}" dt="2026-01-15T10:32:54.188" v="89" actId="1076"/>
-          <ac:picMkLst>
-            <pc:docMk/>
-            <pc:sldMk cId="3447666297" sldId="266"/>
-            <ac:picMk id="6" creationId="{B5A364A2-D3ED-4093-3053-E1F4BB629CC7}"/>
-          </ac:picMkLst>
-        </pc:picChg>
-        <pc:picChg chg="add del mod">
-          <ac:chgData name="ALESSANDRO CIGLIANO" userId="f88872c2-4bc9-4d31-b05d-5a0cf3aafa9e" providerId="ADAL" clId="{9A025614-52A0-40B7-8307-9050F7E20BBC}" dt="2026-01-15T10:39:56.250" v="96" actId="478"/>
-          <ac:picMkLst>
-            <pc:docMk/>
-            <pc:sldMk cId="3447666297" sldId="266"/>
-            <ac:picMk id="8" creationId="{824F8B51-DCA6-40EB-2CEF-D98917122D44}"/>
-          </ac:picMkLst>
-        </pc:picChg>
-        <pc:picChg chg="add del mod">
-          <ac:chgData name="ALESSANDRO CIGLIANO" userId="f88872c2-4bc9-4d31-b05d-5a0cf3aafa9e" providerId="ADAL" clId="{9A025614-52A0-40B7-8307-9050F7E20BBC}" dt="2026-01-15T10:41:46.291" v="116" actId="478"/>
-          <ac:picMkLst>
-            <pc:docMk/>
-            <pc:sldMk cId="3447666297" sldId="266"/>
-            <ac:picMk id="10" creationId="{56653AD6-D71F-282D-8D4C-D4308B99DAD6}"/>
-          </ac:picMkLst>
-        </pc:picChg>
-        <pc:picChg chg="add del">
-          <ac:chgData name="ALESSANDRO CIGLIANO" userId="f88872c2-4bc9-4d31-b05d-5a0cf3aafa9e" providerId="ADAL" clId="{9A025614-52A0-40B7-8307-9050F7E20BBC}" dt="2026-01-15T10:40:08.159" v="101" actId="26606"/>
-          <ac:picMkLst>
-            <pc:docMk/>
-            <pc:sldMk cId="3447666297" sldId="266"/>
-            <ac:picMk id="15" creationId="{50C065C3-0FE3-4452-B765-CB05BBB2A983}"/>
-          </ac:picMkLst>
-        </pc:picChg>
-        <pc:picChg chg="add mod">
-          <ac:chgData name="ALESSANDRO CIGLIANO" userId="f88872c2-4bc9-4d31-b05d-5a0cf3aafa9e" providerId="ADAL" clId="{9A025614-52A0-40B7-8307-9050F7E20BBC}" dt="2026-01-15T10:42:03.383" v="119" actId="1076"/>
-          <ac:picMkLst>
-            <pc:docMk/>
-            <pc:sldMk cId="3447666297" sldId="266"/>
-            <ac:picMk id="61" creationId="{7B81BDD7-147D-2557-6EF7-649E95C583E8}"/>
-          </ac:picMkLst>
-        </pc:picChg>
-        <pc:picChg chg="add del">
-          <ac:chgData name="ALESSANDRO CIGLIANO" userId="f88872c2-4bc9-4d31-b05d-5a0cf3aafa9e" providerId="ADAL" clId="{9A025614-52A0-40B7-8307-9050F7E20BBC}" dt="2026-01-15T10:40:11.367" v="103" actId="26606"/>
-          <ac:picMkLst>
-            <pc:docMk/>
-            <pc:sldMk cId="3447666297" sldId="266"/>
-            <ac:picMk id="145" creationId="{50C065C3-0FE3-4452-B765-CB05BBB2A983}"/>
-          </ac:picMkLst>
-        </pc:picChg>
-        <pc:picChg chg="add del">
-          <ac:chgData name="ALESSANDRO CIGLIANO" userId="f88872c2-4bc9-4d31-b05d-5a0cf3aafa9e" providerId="ADAL" clId="{9A025614-52A0-40B7-8307-9050F7E20BBC}" dt="2026-01-15T10:40:26.228" v="106" actId="26606"/>
-          <ac:picMkLst>
-            <pc:docMk/>
-            <pc:sldMk cId="3447666297" sldId="266"/>
-            <ac:picMk id="228" creationId="{50C065C3-0FE3-4452-B765-CB05BBB2A983}"/>
-          </ac:picMkLst>
-        </pc:picChg>
-        <pc:picChg chg="add del">
-          <ac:chgData name="ALESSANDRO CIGLIANO" userId="f88872c2-4bc9-4d31-b05d-5a0cf3aafa9e" providerId="ADAL" clId="{9A025614-52A0-40B7-8307-9050F7E20BBC}" dt="2026-01-15T10:40:41.137" v="111" actId="26606"/>
-          <ac:picMkLst>
-            <pc:docMk/>
-            <pc:sldMk cId="3447666297" sldId="266"/>
-            <ac:picMk id="235" creationId="{50C065C3-0FE3-4452-B765-CB05BBB2A983}"/>
-          </ac:picMkLst>
-        </pc:picChg>
-        <pc:picChg chg="add del">
-          <ac:chgData name="ALESSANDRO CIGLIANO" userId="f88872c2-4bc9-4d31-b05d-5a0cf3aafa9e" providerId="ADAL" clId="{9A025614-52A0-40B7-8307-9050F7E20BBC}" dt="2026-01-15T10:40:41.118" v="110" actId="26606"/>
-          <ac:picMkLst>
-            <pc:docMk/>
-            <pc:sldMk cId="3447666297" sldId="266"/>
-            <ac:picMk id="298" creationId="{50C065C3-0FE3-4452-B765-CB05BBB2A983}"/>
-          </ac:picMkLst>
-        </pc:picChg>
-        <pc:picChg chg="add">
-          <ac:chgData name="ALESSANDRO CIGLIANO" userId="f88872c2-4bc9-4d31-b05d-5a0cf3aafa9e" providerId="ADAL" clId="{9A025614-52A0-40B7-8307-9050F7E20BBC}" dt="2026-01-15T10:40:41.137" v="111" actId="26606"/>
-          <ac:picMkLst>
-            <pc:docMk/>
-            <pc:sldMk cId="3447666297" sldId="266"/>
-            <ac:picMk id="384" creationId="{50C065C3-0FE3-4452-B765-CB05BBB2A983}"/>
-          </ac:picMkLst>
-        </pc:picChg>
-      </pc:sldChg>
-      <pc:sldChg chg="addSp delSp modSp mod">
-        <pc:chgData name="ALESSANDRO CIGLIANO" userId="f88872c2-4bc9-4d31-b05d-5a0cf3aafa9e" providerId="ADAL" clId="{9A025614-52A0-40B7-8307-9050F7E20BBC}" dt="2026-01-15T10:52:46.216" v="325" actId="14100"/>
-        <pc:sldMkLst>
-          <pc:docMk/>
-          <pc:sldMk cId="2109904441" sldId="267"/>
-        </pc:sldMkLst>
-        <pc:spChg chg="mod">
-          <ac:chgData name="ALESSANDRO CIGLIANO" userId="f88872c2-4bc9-4d31-b05d-5a0cf3aafa9e" providerId="ADAL" clId="{9A025614-52A0-40B7-8307-9050F7E20BBC}" dt="2026-01-15T10:51:41.085" v="309" actId="20577"/>
-          <ac:spMkLst>
-            <pc:docMk/>
-            <pc:sldMk cId="2109904441" sldId="267"/>
-            <ac:spMk id="3" creationId="{72A707C3-22D6-14FA-F7BE-E84A2550863A}"/>
-          </ac:spMkLst>
-        </pc:spChg>
-        <pc:spChg chg="del">
-          <ac:chgData name="ALESSANDRO CIGLIANO" userId="f88872c2-4bc9-4d31-b05d-5a0cf3aafa9e" providerId="ADAL" clId="{9A025614-52A0-40B7-8307-9050F7E20BBC}" dt="2026-01-15T10:51:48.294" v="310" actId="478"/>
-          <ac:spMkLst>
-            <pc:docMk/>
-            <pc:sldMk cId="2109904441" sldId="267"/>
-            <ac:spMk id="5" creationId="{FEAE6C08-F606-6504-D03B-69FA53DC0DC6}"/>
-          </ac:spMkLst>
-        </pc:spChg>
-        <pc:spChg chg="add del mod">
-          <ac:chgData name="ALESSANDRO CIGLIANO" userId="f88872c2-4bc9-4d31-b05d-5a0cf3aafa9e" providerId="ADAL" clId="{9A025614-52A0-40B7-8307-9050F7E20BBC}" dt="2026-01-15T10:52:19.790" v="318" actId="478"/>
-          <ac:spMkLst>
-            <pc:docMk/>
-            <pc:sldMk cId="2109904441" sldId="267"/>
-            <ac:spMk id="13" creationId="{FD7423AA-3877-71A7-2261-76F730D38D04}"/>
-          </ac:spMkLst>
-        </pc:spChg>
-        <pc:picChg chg="add mod">
-          <ac:chgData name="ALESSANDRO CIGLIANO" userId="f88872c2-4bc9-4d31-b05d-5a0cf3aafa9e" providerId="ADAL" clId="{9A025614-52A0-40B7-8307-9050F7E20BBC}" dt="2026-01-15T10:46:41.950" v="172" actId="962"/>
-          <ac:picMkLst>
-            <pc:docMk/>
-            <pc:sldMk cId="2109904441" sldId="267"/>
-            <ac:picMk id="4" creationId="{9F2EE3A8-95AC-49D7-022D-C17F1A5F3AC7}"/>
-          </ac:picMkLst>
-        </pc:picChg>
-        <pc:picChg chg="add mod">
-          <ac:chgData name="ALESSANDRO CIGLIANO" userId="f88872c2-4bc9-4d31-b05d-5a0cf3aafa9e" providerId="ADAL" clId="{9A025614-52A0-40B7-8307-9050F7E20BBC}" dt="2026-01-15T10:52:38.848" v="323" actId="14100"/>
-          <ac:picMkLst>
-            <pc:docMk/>
-            <pc:sldMk cId="2109904441" sldId="267"/>
-            <ac:picMk id="6" creationId="{9B5C53BF-2DDC-B694-7C2B-CDA60D3E9BAB}"/>
-          </ac:picMkLst>
-        </pc:picChg>
-        <pc:picChg chg="add mod">
-          <ac:chgData name="ALESSANDRO CIGLIANO" userId="f88872c2-4bc9-4d31-b05d-5a0cf3aafa9e" providerId="ADAL" clId="{9A025614-52A0-40B7-8307-9050F7E20BBC}" dt="2026-01-15T10:48:57.800" v="190" actId="1076"/>
-          <ac:picMkLst>
-            <pc:docMk/>
-            <pc:sldMk cId="2109904441" sldId="267"/>
-            <ac:picMk id="8" creationId="{82EE03FB-E1B1-2BEC-B232-7CDE5575FC1F}"/>
-          </ac:picMkLst>
-        </pc:picChg>
-        <pc:picChg chg="add mod">
-          <ac:chgData name="ALESSANDRO CIGLIANO" userId="f88872c2-4bc9-4d31-b05d-5a0cf3aafa9e" providerId="ADAL" clId="{9A025614-52A0-40B7-8307-9050F7E20BBC}" dt="2026-01-15T10:52:46.216" v="325" actId="14100"/>
-          <ac:picMkLst>
-            <pc:docMk/>
-            <pc:sldMk cId="2109904441" sldId="267"/>
-            <ac:picMk id="10" creationId="{93845A98-5F8E-BB11-752F-0F9F3279D71A}"/>
-          </ac:picMkLst>
-        </pc:picChg>
-        <pc:picChg chg="add del mod">
-          <ac:chgData name="ALESSANDRO CIGLIANO" userId="f88872c2-4bc9-4d31-b05d-5a0cf3aafa9e" providerId="ADAL" clId="{9A025614-52A0-40B7-8307-9050F7E20BBC}" dt="2026-01-15T10:48:47.691" v="189" actId="478"/>
-          <ac:picMkLst>
-            <pc:docMk/>
-            <pc:sldMk cId="2109904441" sldId="267"/>
-            <ac:picMk id="12" creationId="{106F1E79-DC2C-2983-5525-E173EC5A0CBC}"/>
-          </ac:picMkLst>
-        </pc:picChg>
-      </pc:sldChg>
-      <pc:sldChg chg="addSp modSp mod">
-        <pc:chgData name="ALESSANDRO CIGLIANO" userId="f88872c2-4bc9-4d31-b05d-5a0cf3aafa9e" providerId="ADAL" clId="{9A025614-52A0-40B7-8307-9050F7E20BBC}" dt="2026-01-15T10:58:08.324" v="498" actId="20577"/>
-        <pc:sldMkLst>
-          <pc:docMk/>
-          <pc:sldMk cId="3408580624" sldId="268"/>
-        </pc:sldMkLst>
-        <pc:spChg chg="mod">
-          <ac:chgData name="ALESSANDRO CIGLIANO" userId="f88872c2-4bc9-4d31-b05d-5a0cf3aafa9e" providerId="ADAL" clId="{9A025614-52A0-40B7-8307-9050F7E20BBC}" dt="2026-01-15T10:55:11.585" v="362" actId="20577"/>
-          <ac:spMkLst>
-            <pc:docMk/>
-            <pc:sldMk cId="3408580624" sldId="268"/>
-            <ac:spMk id="2" creationId="{33465D89-B332-D0CB-293A-ABFB659A1BB6}"/>
-          </ac:spMkLst>
-        </pc:spChg>
-        <pc:spChg chg="add mod">
-          <ac:chgData name="ALESSANDRO CIGLIANO" userId="f88872c2-4bc9-4d31-b05d-5a0cf3aafa9e" providerId="ADAL" clId="{9A025614-52A0-40B7-8307-9050F7E20BBC}" dt="2026-01-15T10:58:08.324" v="498" actId="20577"/>
-          <ac:spMkLst>
-            <pc:docMk/>
-            <pc:sldMk cId="3408580624" sldId="268"/>
-            <ac:spMk id="3" creationId="{FC39428D-ACBA-EF4E-30FB-98A0D0E1C303}"/>
-          </ac:spMkLst>
-        </pc:spChg>
-      </pc:sldChg>
-    </pc:docChg>
-  </pc:docChgLst>
-  <pc:docChgLst>
     <pc:chgData name="CARMINE DI MANSO" userId="25ffba23-79a1-42ea-bb25-5c5589740de2" providerId="ADAL" clId="{B3CCA098-3E74-4298-8259-D314E9EB633A}"/>
     <pc:docChg chg="undo redo custSel addSld delSld modSld addMainMaster delMainMaster modMainMaster">
-      <pc:chgData name="CARMINE DI MANSO" userId="25ffba23-79a1-42ea-bb25-5c5589740de2" providerId="ADAL" clId="{B3CCA098-3E74-4298-8259-D314E9EB633A}" dt="2026-01-15T17:38:37.451" v="2395" actId="1076"/>
+      <pc:chgData name="CARMINE DI MANSO" userId="25ffba23-79a1-42ea-bb25-5c5589740de2" providerId="ADAL" clId="{B3CCA098-3E74-4298-8259-D314E9EB633A}" dt="2026-01-31T11:06:50.781" v="2407" actId="1076"/>
       <pc:docMkLst>
         <pc:docMk/>
       </pc:docMkLst>
@@ -701,7 +185,7 @@
         </pc:picChg>
       </pc:sldChg>
       <pc:sldChg chg="addSp delSp modSp new mod setBg">
-        <pc:chgData name="CARMINE DI MANSO" userId="25ffba23-79a1-42ea-bb25-5c5589740de2" providerId="ADAL" clId="{B3CCA098-3E74-4298-8259-D314E9EB633A}" dt="2026-01-15T11:04:41.725" v="1803" actId="208"/>
+        <pc:chgData name="CARMINE DI MANSO" userId="25ffba23-79a1-42ea-bb25-5c5589740de2" providerId="ADAL" clId="{B3CCA098-3E74-4298-8259-D314E9EB633A}" dt="2026-01-31T11:06:50.781" v="2407" actId="1076"/>
         <pc:sldMkLst>
           <pc:docMk/>
           <pc:sldMk cId="1688690467" sldId="257"/>
@@ -723,15 +207,23 @@
           </ac:spMkLst>
         </pc:spChg>
         <pc:picChg chg="add mod">
-          <ac:chgData name="CARMINE DI MANSO" userId="25ffba23-79a1-42ea-bb25-5c5589740de2" providerId="ADAL" clId="{B3CCA098-3E74-4298-8259-D314E9EB633A}" dt="2026-01-15T11:04:41.725" v="1803" actId="208"/>
+          <ac:chgData name="CARMINE DI MANSO" userId="25ffba23-79a1-42ea-bb25-5c5589740de2" providerId="ADAL" clId="{B3CCA098-3E74-4298-8259-D314E9EB633A}" dt="2026-01-31T11:06:30.417" v="2406" actId="14826"/>
+          <ac:picMkLst>
+            <pc:docMk/>
+            <pc:sldMk cId="1688690467" sldId="257"/>
+            <ac:picMk id="3" creationId="{1F778124-3BDE-3FEA-FA52-95AEC98F37F3}"/>
+          </ac:picMkLst>
+        </pc:picChg>
+        <pc:picChg chg="add mod">
+          <ac:chgData name="CARMINE DI MANSO" userId="25ffba23-79a1-42ea-bb25-5c5589740de2" providerId="ADAL" clId="{B3CCA098-3E74-4298-8259-D314E9EB633A}" dt="2026-01-31T11:06:50.781" v="2407" actId="1076"/>
           <ac:picMkLst>
             <pc:docMk/>
             <pc:sldMk cId="1688690467" sldId="257"/>
             <ac:picMk id="5" creationId="{F12E6ABC-C8B9-A914-E682-A5ED70DA442D}"/>
           </ac:picMkLst>
         </pc:picChg>
-        <pc:picChg chg="add mod">
-          <ac:chgData name="CARMINE DI MANSO" userId="25ffba23-79a1-42ea-bb25-5c5589740de2" providerId="ADAL" clId="{B3CCA098-3E74-4298-8259-D314E9EB633A}" dt="2026-01-15T11:04:38.497" v="1802" actId="208"/>
+        <pc:picChg chg="add del mod">
+          <ac:chgData name="CARMINE DI MANSO" userId="25ffba23-79a1-42ea-bb25-5c5589740de2" providerId="ADAL" clId="{B3CCA098-3E74-4298-8259-D314E9EB633A}" dt="2026-01-31T11:05:58.120" v="2402" actId="478"/>
           <ac:picMkLst>
             <pc:docMk/>
             <pc:sldMk cId="1688690467" sldId="257"/>
@@ -816,14 +308,6 @@
           </ac:spMkLst>
         </pc:spChg>
         <pc:spChg chg="mod">
-          <ac:chgData name="CARMINE DI MANSO" userId="25ffba23-79a1-42ea-bb25-5c5589740de2" providerId="ADAL" clId="{B3CCA098-3E74-4298-8259-D314E9EB633A}" dt="2026-01-15T09:35:57.156" v="884" actId="14100"/>
-          <ac:spMkLst>
-            <pc:docMk/>
-            <pc:sldMk cId="1723125402" sldId="262"/>
-            <ac:spMk id="3" creationId="{A13693A3-4809-D50D-DCFB-83D29A1A5DED}"/>
-          </ac:spMkLst>
-        </pc:spChg>
-        <pc:spChg chg="mod">
           <ac:chgData name="CARMINE DI MANSO" userId="25ffba23-79a1-42ea-bb25-5c5589740de2" providerId="ADAL" clId="{B3CCA098-3E74-4298-8259-D314E9EB633A}" dt="2026-01-15T09:47:06.613" v="1023"/>
           <ac:spMkLst>
             <pc:docMk/>
@@ -839,14 +323,6 @@
             <ac:spMk id="7" creationId="{C551DDE1-1E1F-F6AA-0436-C98EA7335CE0}"/>
           </ac:spMkLst>
         </pc:spChg>
-        <pc:picChg chg="add del mod">
-          <ac:chgData name="CARMINE DI MANSO" userId="25ffba23-79a1-42ea-bb25-5c5589740de2" providerId="ADAL" clId="{B3CCA098-3E74-4298-8259-D314E9EB633A}" dt="2026-01-15T09:38:54.955" v="927" actId="22"/>
-          <ac:picMkLst>
-            <pc:docMk/>
-            <pc:sldMk cId="1723125402" sldId="262"/>
-            <ac:picMk id="6" creationId="{C3DB7346-BABE-FDB1-F790-74396A1FA392}"/>
-          </ac:picMkLst>
-        </pc:picChg>
         <pc:picChg chg="mod">
           <ac:chgData name="CARMINE DI MANSO" userId="25ffba23-79a1-42ea-bb25-5c5589740de2" providerId="ADAL" clId="{B3CCA098-3E74-4298-8259-D314E9EB633A}" dt="2026-01-15T09:45:27.394" v="1021" actId="14100"/>
           <ac:picMkLst>
@@ -855,13 +331,6 @@
             <ac:picMk id="12" creationId="{E9CECB1A-D5D6-4A80-E618-294B06177B0E}"/>
           </ac:picMkLst>
         </pc:picChg>
-      </pc:sldChg>
-      <pc:sldChg chg="new del">
-        <pc:chgData name="CARMINE DI MANSO" userId="25ffba23-79a1-42ea-bb25-5c5589740de2" providerId="ADAL" clId="{B3CCA098-3E74-4298-8259-D314E9EB633A}" dt="2026-01-15T09:15:33.072" v="766" actId="2696"/>
-        <pc:sldMkLst>
-          <pc:docMk/>
-          <pc:sldMk cId="1281244728" sldId="263"/>
-        </pc:sldMkLst>
       </pc:sldChg>
       <pc:sldChg chg="addSp delSp modSp new mod">
         <pc:chgData name="CARMINE DI MANSO" userId="25ffba23-79a1-42ea-bb25-5c5589740de2" providerId="ADAL" clId="{B3CCA098-3E74-4298-8259-D314E9EB633A}" dt="2026-01-15T09:33:38.257" v="850" actId="404"/>
@@ -877,14 +346,6 @@
             <ac:spMk id="2" creationId="{FA42C369-EBD7-D131-762F-1FDAAB875CAA}"/>
           </ac:spMkLst>
         </pc:spChg>
-        <pc:picChg chg="add del mod">
-          <ac:chgData name="CARMINE DI MANSO" userId="25ffba23-79a1-42ea-bb25-5c5589740de2" providerId="ADAL" clId="{B3CCA098-3E74-4298-8259-D314E9EB633A}" dt="2026-01-15T09:17:54.562" v="778" actId="22"/>
-          <ac:picMkLst>
-            <pc:docMk/>
-            <pc:sldMk cId="2682537389" sldId="263"/>
-            <ac:picMk id="4" creationId="{FB9A736A-C2D2-4313-CC58-9E5784C8873F}"/>
-          </ac:picMkLst>
-        </pc:picChg>
         <pc:picChg chg="add mod">
           <ac:chgData name="CARMINE DI MANSO" userId="25ffba23-79a1-42ea-bb25-5c5589740de2" providerId="ADAL" clId="{B3CCA098-3E74-4298-8259-D314E9EB633A}" dt="2026-01-15T09:33:21.354" v="844" actId="1076"/>
           <ac:picMkLst>
@@ -956,14 +417,6 @@
             <ac:spMk id="2" creationId="{121A445B-6C32-C367-6B89-7081D24224F9}"/>
           </ac:spMkLst>
         </pc:spChg>
-        <pc:spChg chg="add del mod">
-          <ac:chgData name="CARMINE DI MANSO" userId="25ffba23-79a1-42ea-bb25-5c5589740de2" providerId="ADAL" clId="{B3CCA098-3E74-4298-8259-D314E9EB633A}" dt="2026-01-15T10:00:56.310" v="1132"/>
-          <ac:spMkLst>
-            <pc:docMk/>
-            <pc:sldMk cId="3139327782" sldId="264"/>
-            <ac:spMk id="4" creationId="{7E913FC1-AB80-6506-F9E5-8A75891B1448}"/>
-          </ac:spMkLst>
-        </pc:spChg>
         <pc:spChg chg="add mod">
           <ac:chgData name="CARMINE DI MANSO" userId="25ffba23-79a1-42ea-bb25-5c5589740de2" providerId="ADAL" clId="{B3CCA098-3E74-4298-8259-D314E9EB633A}" dt="2026-01-15T10:15:47.055" v="1366" actId="1076"/>
           <ac:spMkLst>
@@ -989,14 +442,6 @@
           </ac:picMkLst>
         </pc:picChg>
         <pc:picChg chg="add mod">
-          <ac:chgData name="CARMINE DI MANSO" userId="25ffba23-79a1-42ea-bb25-5c5589740de2" providerId="ADAL" clId="{B3CCA098-3E74-4298-8259-D314E9EB633A}" dt="2026-01-15T10:10:04.787" v="1345" actId="1076"/>
-          <ac:picMkLst>
-            <pc:docMk/>
-            <pc:sldMk cId="3139327782" sldId="264"/>
-            <ac:picMk id="4" creationId="{AE5E0B4D-925D-7FE8-5033-42F88071E462}"/>
-          </ac:picMkLst>
-        </pc:picChg>
-        <pc:picChg chg="add mod">
           <ac:chgData name="CARMINE DI MANSO" userId="25ffba23-79a1-42ea-bb25-5c5589740de2" providerId="ADAL" clId="{B3CCA098-3E74-4298-8259-D314E9EB633A}" dt="2026-01-15T10:12:08.810" v="1361" actId="1076"/>
           <ac:picMkLst>
             <pc:docMk/>
@@ -1019,14 +464,6 @@
             <ac:spMk id="2" creationId="{979A0DFE-FFBE-67A2-F17F-4329E3CEA049}"/>
           </ac:spMkLst>
         </pc:spChg>
-        <pc:spChg chg="add del mod">
-          <ac:chgData name="CARMINE DI MANSO" userId="25ffba23-79a1-42ea-bb25-5c5589740de2" providerId="ADAL" clId="{B3CCA098-3E74-4298-8259-D314E9EB633A}" dt="2026-01-15T10:25:35.330" v="1440"/>
-          <ac:spMkLst>
-            <pc:docMk/>
-            <pc:sldMk cId="2122952547" sldId="265"/>
-            <ac:spMk id="3" creationId="{8113CEEA-91B7-8105-E41B-6A9A20819E5E}"/>
-          </ac:spMkLst>
-        </pc:spChg>
         <pc:spChg chg="add mod">
           <ac:chgData name="CARMINE DI MANSO" userId="25ffba23-79a1-42ea-bb25-5c5589740de2" providerId="ADAL" clId="{B3CCA098-3E74-4298-8259-D314E9EB633A}" dt="2026-01-15T10:28:22.699" v="1548" actId="14100"/>
           <ac:spMkLst>
@@ -1035,14 +472,6 @@
             <ac:spMk id="5" creationId="{2CE3064B-7E17-124A-B91D-0832D475850F}"/>
           </ac:spMkLst>
         </pc:spChg>
-        <pc:picChg chg="del">
-          <ac:chgData name="CARMINE DI MANSO" userId="25ffba23-79a1-42ea-bb25-5c5589740de2" providerId="ADAL" clId="{B3CCA098-3E74-4298-8259-D314E9EB633A}" dt="2026-01-15T10:19:58.821" v="1406" actId="478"/>
-          <ac:picMkLst>
-            <pc:docMk/>
-            <pc:sldMk cId="2122952547" sldId="265"/>
-            <ac:picMk id="4" creationId="{73C57AF8-F9E7-D588-8CA2-A04E515435BE}"/>
-          </ac:picMkLst>
-        </pc:picChg>
         <pc:picChg chg="mod">
           <ac:chgData name="CARMINE DI MANSO" userId="25ffba23-79a1-42ea-bb25-5c5589740de2" providerId="ADAL" clId="{B3CCA098-3E74-4298-8259-D314E9EB633A}" dt="2026-01-15T11:07:31.099" v="1822" actId="208"/>
           <ac:picMkLst>
@@ -1083,69 +512,6 @@
           </ac:picMkLst>
         </pc:picChg>
       </pc:sldChg>
-      <pc:sldChg chg="addSp delSp modSp new del mod">
-        <pc:chgData name="CARMINE DI MANSO" userId="25ffba23-79a1-42ea-bb25-5c5589740de2" providerId="ADAL" clId="{B3CCA098-3E74-4298-8259-D314E9EB633A}" dt="2026-01-15T10:42:03.421" v="1623" actId="2696"/>
-        <pc:sldMkLst>
-          <pc:docMk/>
-          <pc:sldMk cId="3447666297" sldId="266"/>
-        </pc:sldMkLst>
-        <pc:spChg chg="mod">
-          <ac:chgData name="CARMINE DI MANSO" userId="25ffba23-79a1-42ea-bb25-5c5589740de2" providerId="ADAL" clId="{B3CCA098-3E74-4298-8259-D314E9EB633A}" dt="2026-01-15T10:35:38.165" v="1595" actId="14838"/>
-          <ac:spMkLst>
-            <pc:docMk/>
-            <pc:sldMk cId="3447666297" sldId="266"/>
-            <ac:spMk id="2" creationId="{EB631800-C8D8-E984-6ACD-59224395B66B}"/>
-          </ac:spMkLst>
-        </pc:spChg>
-        <pc:picChg chg="mod">
-          <ac:chgData name="CARMINE DI MANSO" userId="25ffba23-79a1-42ea-bb25-5c5589740de2" providerId="ADAL" clId="{B3CCA098-3E74-4298-8259-D314E9EB633A}" dt="2026-01-15T10:32:41.958" v="1579" actId="1076"/>
-          <ac:picMkLst>
-            <pc:docMk/>
-            <pc:sldMk cId="3447666297" sldId="266"/>
-            <ac:picMk id="4" creationId="{961D56DB-24A5-CA8D-AC5A-BF037FC7B9B7}"/>
-          </ac:picMkLst>
-        </pc:picChg>
-        <pc:picChg chg="add mod">
-          <ac:chgData name="CARMINE DI MANSO" userId="25ffba23-79a1-42ea-bb25-5c5589740de2" providerId="ADAL" clId="{B3CCA098-3E74-4298-8259-D314E9EB633A}" dt="2026-01-15T10:37:49.400" v="1611" actId="1076"/>
-          <ac:picMkLst>
-            <pc:docMk/>
-            <pc:sldMk cId="3447666297" sldId="266"/>
-            <ac:picMk id="5" creationId="{C8E6C4DC-9975-B039-7D73-9191474CD962}"/>
-          </ac:picMkLst>
-        </pc:picChg>
-        <pc:picChg chg="add del mod">
-          <ac:chgData name="CARMINE DI MANSO" userId="25ffba23-79a1-42ea-bb25-5c5589740de2" providerId="ADAL" clId="{B3CCA098-3E74-4298-8259-D314E9EB633A}" dt="2026-01-15T10:35:40.557" v="1597" actId="478"/>
-          <ac:picMkLst>
-            <pc:docMk/>
-            <pc:sldMk cId="3447666297" sldId="266"/>
-            <ac:picMk id="6" creationId="{B5A364A2-D3ED-4093-3053-E1F4BB629CC7}"/>
-          </ac:picMkLst>
-        </pc:picChg>
-        <pc:picChg chg="mod">
-          <ac:chgData name="CARMINE DI MANSO" userId="25ffba23-79a1-42ea-bb25-5c5589740de2" providerId="ADAL" clId="{B3CCA098-3E74-4298-8259-D314E9EB633A}" dt="2026-01-15T10:39:25.936" v="1613" actId="14100"/>
-          <ac:picMkLst>
-            <pc:docMk/>
-            <pc:sldMk cId="3447666297" sldId="266"/>
-            <ac:picMk id="8" creationId="{824F8B51-DCA6-40EB-2CEF-D98917122D44}"/>
-          </ac:picMkLst>
-        </pc:picChg>
-        <pc:picChg chg="add del mod">
-          <ac:chgData name="CARMINE DI MANSO" userId="25ffba23-79a1-42ea-bb25-5c5589740de2" providerId="ADAL" clId="{B3CCA098-3E74-4298-8259-D314E9EB633A}" dt="2026-01-15T10:41:16.197" v="1621" actId="1076"/>
-          <ac:picMkLst>
-            <pc:docMk/>
-            <pc:sldMk cId="3447666297" sldId="266"/>
-            <ac:picMk id="10" creationId="{56653AD6-D71F-282D-8D4C-D4308B99DAD6}"/>
-          </ac:picMkLst>
-        </pc:picChg>
-        <pc:picChg chg="mod">
-          <ac:chgData name="CARMINE DI MANSO" userId="25ffba23-79a1-42ea-bb25-5c5589740de2" providerId="ADAL" clId="{B3CCA098-3E74-4298-8259-D314E9EB633A}" dt="2026-01-15T10:41:52.168" v="1622" actId="1076"/>
-          <ac:picMkLst>
-            <pc:docMk/>
-            <pc:sldMk cId="3447666297" sldId="266"/>
-            <ac:picMk id="61" creationId="{7B81BDD7-147D-2557-6EF7-649E95C583E8}"/>
-          </ac:picMkLst>
-        </pc:picChg>
-      </pc:sldChg>
       <pc:sldChg chg="addSp delSp modSp new mod">
         <pc:chgData name="CARMINE DI MANSO" userId="25ffba23-79a1-42ea-bb25-5c5589740de2" providerId="ADAL" clId="{B3CCA098-3E74-4298-8259-D314E9EB633A}" dt="2026-01-15T11:03:08.533" v="1799" actId="1582"/>
         <pc:sldMkLst>
@@ -1168,22 +534,6 @@
             <ac:spMk id="3" creationId="{72A707C3-22D6-14FA-F7BE-E84A2550863A}"/>
           </ac:spMkLst>
         </pc:spChg>
-        <pc:spChg chg="add mod">
-          <ac:chgData name="CARMINE DI MANSO" userId="25ffba23-79a1-42ea-bb25-5c5589740de2" providerId="ADAL" clId="{B3CCA098-3E74-4298-8259-D314E9EB633A}" dt="2026-01-15T10:51:33.468" v="1737" actId="14100"/>
-          <ac:spMkLst>
-            <pc:docMk/>
-            <pc:sldMk cId="2109904441" sldId="267"/>
-            <ac:spMk id="5" creationId="{FEAE6C08-F606-6504-D03B-69FA53DC0DC6}"/>
-          </ac:spMkLst>
-        </pc:spChg>
-        <pc:picChg chg="del mod">
-          <ac:chgData name="CARMINE DI MANSO" userId="25ffba23-79a1-42ea-bb25-5c5589740de2" providerId="ADAL" clId="{B3CCA098-3E74-4298-8259-D314E9EB633A}" dt="2026-01-15T10:47:15.904" v="1693" actId="478"/>
-          <ac:picMkLst>
-            <pc:docMk/>
-            <pc:sldMk cId="2109904441" sldId="267"/>
-            <ac:picMk id="4" creationId="{9F2EE3A8-95AC-49D7-022D-C17F1A5F3AC7}"/>
-          </ac:picMkLst>
-        </pc:picChg>
         <pc:picChg chg="mod">
           <ac:chgData name="CARMINE DI MANSO" userId="25ffba23-79a1-42ea-bb25-5c5589740de2" providerId="ADAL" clId="{B3CCA098-3E74-4298-8259-D314E9EB633A}" dt="2026-01-15T11:02:41.700" v="1795" actId="1582"/>
           <ac:picMkLst>
@@ -1206,14 +556,6 @@
             <pc:docMk/>
             <pc:sldMk cId="2109904441" sldId="267"/>
             <ac:picMk id="10" creationId="{93845A98-5F8E-BB11-752F-0F9F3279D71A}"/>
-          </ac:picMkLst>
-        </pc:picChg>
-        <pc:picChg chg="del mod">
-          <ac:chgData name="CARMINE DI MANSO" userId="25ffba23-79a1-42ea-bb25-5c5589740de2" providerId="ADAL" clId="{B3CCA098-3E74-4298-8259-D314E9EB633A}" dt="2026-01-15T10:48:50.803" v="1702" actId="478"/>
-          <ac:picMkLst>
-            <pc:docMk/>
-            <pc:sldMk cId="2109904441" sldId="267"/>
-            <ac:picMk id="12" creationId="{106F1E79-DC2C-2983-5525-E173EC5A0CBC}"/>
           </ac:picMkLst>
         </pc:picChg>
       </pc:sldChg>
@@ -1239,14 +581,6 @@
             <ac:spMk id="3" creationId="{FC39428D-ACBA-EF4E-30FB-98A0D0E1C303}"/>
           </ac:spMkLst>
         </pc:spChg>
-        <pc:picChg chg="add del mod">
-          <ac:chgData name="CARMINE DI MANSO" userId="25ffba23-79a1-42ea-bb25-5c5589740de2" providerId="ADAL" clId="{B3CCA098-3E74-4298-8259-D314E9EB633A}" dt="2026-01-15T15:55:49.368" v="1828" actId="478"/>
-          <ac:picMkLst>
-            <pc:docMk/>
-            <pc:sldMk cId="3408580624" sldId="268"/>
-            <ac:picMk id="5" creationId="{14800B18-AC09-473A-0B8A-32EA95BCDEDD}"/>
-          </ac:picMkLst>
-        </pc:picChg>
         <pc:picChg chg="add mod">
           <ac:chgData name="CARMINE DI MANSO" userId="25ffba23-79a1-42ea-bb25-5c5589740de2" providerId="ADAL" clId="{B3CCA098-3E74-4298-8259-D314E9EB633A}" dt="2026-01-15T15:57:38.249" v="1834" actId="1076"/>
           <ac:picMkLst>
@@ -1333,21 +667,6 @@
           </ac:picMkLst>
         </pc:picChg>
       </pc:sldChg>
-      <pc:sldChg chg="modSp new del mod">
-        <pc:chgData name="CARMINE DI MANSO" userId="25ffba23-79a1-42ea-bb25-5c5589740de2" providerId="ADAL" clId="{B3CCA098-3E74-4298-8259-D314E9EB633A}" dt="2026-01-15T16:03:16.235" v="1928" actId="2696"/>
-        <pc:sldMkLst>
-          <pc:docMk/>
-          <pc:sldMk cId="2540356818" sldId="271"/>
-        </pc:sldMkLst>
-        <pc:spChg chg="mod">
-          <ac:chgData name="CARMINE DI MANSO" userId="25ffba23-79a1-42ea-bb25-5c5589740de2" providerId="ADAL" clId="{B3CCA098-3E74-4298-8259-D314E9EB633A}" dt="2026-01-15T16:03:12.290" v="1927" actId="20577"/>
-          <ac:spMkLst>
-            <pc:docMk/>
-            <pc:sldMk cId="2540356818" sldId="271"/>
-            <ac:spMk id="2" creationId="{E69101CD-2F21-EEBD-3E4B-73EA374A600A}"/>
-          </ac:spMkLst>
-        </pc:spChg>
-      </pc:sldChg>
       <pc:sldChg chg="addSp delSp modSp new mod setBg">
         <pc:chgData name="CARMINE DI MANSO" userId="25ffba23-79a1-42ea-bb25-5c5589740de2" providerId="ADAL" clId="{B3CCA098-3E74-4298-8259-D314E9EB633A}" dt="2026-01-15T17:20:49.209" v="2304" actId="2085"/>
         <pc:sldMkLst>
@@ -1362,46 +681,6 @@
             <ac:spMk id="2" creationId="{7EC83251-9B39-8C5B-13D7-C09294E94C4A}"/>
           </ac:spMkLst>
         </pc:spChg>
-        <pc:spChg chg="add del mod">
-          <ac:chgData name="CARMINE DI MANSO" userId="25ffba23-79a1-42ea-bb25-5c5589740de2" providerId="ADAL" clId="{B3CCA098-3E74-4298-8259-D314E9EB633A}" dt="2026-01-15T16:16:06.239" v="2091" actId="478"/>
-          <ac:spMkLst>
-            <pc:docMk/>
-            <pc:sldMk cId="3455454896" sldId="272"/>
-            <ac:spMk id="5" creationId="{2D11178B-0BF8-5E10-0809-EB4B290E48DB}"/>
-          </ac:spMkLst>
-        </pc:spChg>
-        <pc:spChg chg="add del mod">
-          <ac:chgData name="CARMINE DI MANSO" userId="25ffba23-79a1-42ea-bb25-5c5589740de2" providerId="ADAL" clId="{B3CCA098-3E74-4298-8259-D314E9EB633A}" dt="2026-01-15T16:12:06.104" v="2003" actId="478"/>
-          <ac:spMkLst>
-            <pc:docMk/>
-            <pc:sldMk cId="3455454896" sldId="272"/>
-            <ac:spMk id="6" creationId="{7D9ADFB0-4173-E68F-0398-5988F5F90998}"/>
-          </ac:spMkLst>
-        </pc:spChg>
-        <pc:grpChg chg="add del">
-          <ac:chgData name="CARMINE DI MANSO" userId="25ffba23-79a1-42ea-bb25-5c5589740de2" providerId="ADAL" clId="{B3CCA098-3E74-4298-8259-D314E9EB633A}" dt="2026-01-15T16:09:01.692" v="1947" actId="26606"/>
-          <ac:grpSpMkLst>
-            <pc:docMk/>
-            <pc:sldMk cId="3455454896" sldId="272"/>
-            <ac:grpSpMk id="11" creationId="{FB9EE4F0-B261-4AB0-BEE3-AA9DD198FC44}"/>
-          </ac:grpSpMkLst>
-        </pc:grpChg>
-        <pc:grpChg chg="add del">
-          <ac:chgData name="CARMINE DI MANSO" userId="25ffba23-79a1-42ea-bb25-5c5589740de2" providerId="ADAL" clId="{B3CCA098-3E74-4298-8259-D314E9EB633A}" dt="2026-01-15T16:09:01.692" v="1947" actId="26606"/>
-          <ac:grpSpMkLst>
-            <pc:docMk/>
-            <pc:sldMk cId="3455454896" sldId="272"/>
-            <ac:grpSpMk id="67" creationId="{E30D7E16-7F86-4722-BF6F-99BD5CA2C20C}"/>
-          </ac:grpSpMkLst>
-        </pc:grpChg>
-        <pc:grpChg chg="add del">
-          <ac:chgData name="CARMINE DI MANSO" userId="25ffba23-79a1-42ea-bb25-5c5589740de2" providerId="ADAL" clId="{B3CCA098-3E74-4298-8259-D314E9EB633A}" dt="2026-01-15T16:09:01.692" v="1947" actId="26606"/>
-          <ac:grpSpMkLst>
-            <pc:docMk/>
-            <pc:sldMk cId="3455454896" sldId="272"/>
-            <ac:grpSpMk id="71" creationId="{CDB03AD1-7FC3-4CB4-997C-9D8CC7B43B78}"/>
-          </ac:grpSpMkLst>
-        </pc:grpChg>
         <pc:picChg chg="add mod">
           <ac:chgData name="CARMINE DI MANSO" userId="25ffba23-79a1-42ea-bb25-5c5589740de2" providerId="ADAL" clId="{B3CCA098-3E74-4298-8259-D314E9EB633A}" dt="2026-01-15T16:16:17.770" v="2093" actId="1076"/>
           <ac:picMkLst>
@@ -1418,14 +697,6 @@
             <ac:picMk id="4" creationId="{EB104AF6-FB99-4518-D9FD-07E1A898024D}"/>
           </ac:picMkLst>
         </pc:picChg>
-        <pc:picChg chg="del mod">
-          <ac:chgData name="CARMINE DI MANSO" userId="25ffba23-79a1-42ea-bb25-5c5589740de2" providerId="ADAL" clId="{B3CCA098-3E74-4298-8259-D314E9EB633A}" dt="2026-01-15T16:28:53.057" v="2101" actId="478"/>
-          <ac:picMkLst>
-            <pc:docMk/>
-            <pc:sldMk cId="3455454896" sldId="272"/>
-            <ac:picMk id="6" creationId="{70DB9E6F-900B-183F-94E1-B1121F9595AC}"/>
-          </ac:picMkLst>
-        </pc:picChg>
         <pc:picChg chg="add mod">
           <ac:chgData name="CARMINE DI MANSO" userId="25ffba23-79a1-42ea-bb25-5c5589740de2" providerId="ADAL" clId="{B3CCA098-3E74-4298-8259-D314E9EB633A}" dt="2026-01-15T17:20:49.209" v="2304" actId="2085"/>
           <ac:picMkLst>
@@ -1434,30 +705,6 @@
             <ac:picMk id="7" creationId="{45C1D17C-635B-AB92-F453-06100797780A}"/>
           </ac:picMkLst>
         </pc:picChg>
-        <pc:picChg chg="add del">
-          <ac:chgData name="CARMINE DI MANSO" userId="25ffba23-79a1-42ea-bb25-5c5589740de2" providerId="ADAL" clId="{B3CCA098-3E74-4298-8259-D314E9EB633A}" dt="2026-01-15T16:09:01.692" v="1947" actId="26606"/>
-          <ac:picMkLst>
-            <pc:docMk/>
-            <pc:sldMk cId="3455454896" sldId="272"/>
-            <ac:picMk id="9" creationId="{19AFBE53-1417-406B-8083-DBE0DA72F29D}"/>
-          </ac:picMkLst>
-        </pc:picChg>
-        <pc:cxnChg chg="add del">
-          <ac:chgData name="CARMINE DI MANSO" userId="25ffba23-79a1-42ea-bb25-5c5589740de2" providerId="ADAL" clId="{B3CCA098-3E74-4298-8259-D314E9EB633A}" dt="2026-01-15T16:09:01.692" v="1947" actId="26606"/>
-          <ac:cxnSpMkLst>
-            <pc:docMk/>
-            <pc:sldMk cId="3455454896" sldId="272"/>
-            <ac:cxnSpMk id="95" creationId="{76422D0B-861E-410F-ABEF-6C611CE0C2AC}"/>
-          </ac:cxnSpMkLst>
-        </pc:cxnChg>
-        <pc:cxnChg chg="add del">
-          <ac:chgData name="CARMINE DI MANSO" userId="25ffba23-79a1-42ea-bb25-5c5589740de2" providerId="ADAL" clId="{B3CCA098-3E74-4298-8259-D314E9EB633A}" dt="2026-01-15T16:09:01.692" v="1947" actId="26606"/>
-          <ac:cxnSpMkLst>
-            <pc:docMk/>
-            <pc:sldMk cId="3455454896" sldId="272"/>
-            <ac:cxnSpMk id="97" creationId="{DB25C40C-F036-45C1-938E-A334101FFC34}"/>
-          </ac:cxnSpMkLst>
-        </pc:cxnChg>
       </pc:sldChg>
       <pc:sldChg chg="delSp modSp new mod">
         <pc:chgData name="CARMINE DI MANSO" userId="25ffba23-79a1-42ea-bb25-5c5589740de2" providerId="ADAL" clId="{B3CCA098-3E74-4298-8259-D314E9EB633A}" dt="2026-01-15T16:53:59.262" v="2206" actId="1076"/>
@@ -1481,14 +728,6 @@
             <ac:spMk id="9" creationId="{BD971E4A-2CB4-E50A-59D6-1BF11AF5DA0D}"/>
           </ac:spMkLst>
         </pc:spChg>
-        <pc:picChg chg="del mod">
-          <ac:chgData name="CARMINE DI MANSO" userId="25ffba23-79a1-42ea-bb25-5c5589740de2" providerId="ADAL" clId="{B3CCA098-3E74-4298-8259-D314E9EB633A}" dt="2026-01-15T16:41:35.245" v="2125" actId="478"/>
-          <ac:picMkLst>
-            <pc:docMk/>
-            <pc:sldMk cId="2810788975" sldId="273"/>
-            <ac:picMk id="3" creationId="{FB13D045-9181-8853-4E0F-4FF3B13FDDF2}"/>
-          </ac:picMkLst>
-        </pc:picChg>
         <pc:picChg chg="mod">
           <ac:chgData name="CARMINE DI MANSO" userId="25ffba23-79a1-42ea-bb25-5c5589740de2" providerId="ADAL" clId="{B3CCA098-3E74-4298-8259-D314E9EB633A}" dt="2026-01-15T16:46:11.893" v="2144" actId="1076"/>
           <ac:picMkLst>
@@ -1582,14 +821,6 @@
             <ac:spMk id="2" creationId="{10FF684E-CCBE-2F0F-98F5-1E3F008399A1}"/>
           </ac:spMkLst>
         </pc:spChg>
-        <pc:spChg chg="add del mod">
-          <ac:chgData name="CARMINE DI MANSO" userId="25ffba23-79a1-42ea-bb25-5c5589740de2" providerId="ADAL" clId="{B3CCA098-3E74-4298-8259-D314E9EB633A}" dt="2026-01-15T17:25:51.374" v="2308"/>
-          <ac:spMkLst>
-            <pc:docMk/>
-            <pc:sldMk cId="92163820" sldId="276"/>
-            <ac:spMk id="3" creationId="{E6A986B7-0B4B-A75F-32A8-6BE7255E1FB3}"/>
-          </ac:spMkLst>
-        </pc:spChg>
         <pc:spChg chg="add mod">
           <ac:chgData name="CARMINE DI MANSO" userId="25ffba23-79a1-42ea-bb25-5c5589740de2" providerId="ADAL" clId="{B3CCA098-3E74-4298-8259-D314E9EB633A}" dt="2026-01-15T17:32:16.313" v="2388" actId="14100"/>
           <ac:spMkLst>
@@ -1614,69 +845,6 @@
             <ac:picMk id="7" creationId="{451A8AEA-3FED-E180-17F5-A28873CE67D1}"/>
           </ac:picMkLst>
         </pc:picChg>
-      </pc:sldChg>
-    </pc:docChg>
-  </pc:docChgLst>
-  <pc:docChgLst>
-    <pc:chgData name="ALESSANDRO CIGLIANO" userId="S::a.cigliano1@studenti.unisa.it::f88872c2-4bc9-4d31-b05d-5a0cf3aafa9e" providerId="AD" clId="Web-{6BCEE390-1355-5F51-5D1B-B7332667C44A}"/>
-    <pc:docChg chg="modSld">
-      <pc:chgData name="ALESSANDRO CIGLIANO" userId="S::a.cigliano1@studenti.unisa.it::f88872c2-4bc9-4d31-b05d-5a0cf3aafa9e" providerId="AD" clId="Web-{6BCEE390-1355-5F51-5D1B-B7332667C44A}" dt="2026-01-15T12:01:04.854" v="0"/>
-      <pc:docMkLst>
-        <pc:docMk/>
-      </pc:docMkLst>
-      <pc:sldChg chg="modSp">
-        <pc:chgData name="ALESSANDRO CIGLIANO" userId="S::a.cigliano1@studenti.unisa.it::f88872c2-4bc9-4d31-b05d-5a0cf3aafa9e" providerId="AD" clId="Web-{6BCEE390-1355-5F51-5D1B-B7332667C44A}" dt="2026-01-15T12:01:04.854" v="0"/>
-        <pc:sldMkLst>
-          <pc:docMk/>
-          <pc:sldMk cId="3254460375" sldId="269"/>
-        </pc:sldMkLst>
-        <pc:picChg chg="mod">
-          <ac:chgData name="ALESSANDRO CIGLIANO" userId="S::a.cigliano1@studenti.unisa.it::f88872c2-4bc9-4d31-b05d-5a0cf3aafa9e" providerId="AD" clId="Web-{6BCEE390-1355-5F51-5D1B-B7332667C44A}" dt="2026-01-15T12:01:04.854" v="0"/>
-          <ac:picMkLst>
-            <pc:docMk/>
-            <pc:sldMk cId="3254460375" sldId="269"/>
-            <ac:picMk id="3" creationId="{2AFA1189-0344-6ED2-FF65-BBC970A633EF}"/>
-          </ac:picMkLst>
-        </pc:picChg>
-      </pc:sldChg>
-    </pc:docChg>
-  </pc:docChgLst>
-  <pc:docChgLst>
-    <pc:chgData name="ALESSANDRO CIGLIANO" userId="S::a.cigliano1@studenti.unisa.it::f88872c2-4bc9-4d31-b05d-5a0cf3aafa9e" providerId="AD" clId="Web-{BC53DF82-78BE-84FA-D613-A9CFD3B96DA9}"/>
-    <pc:docChg chg="modSld">
-      <pc:chgData name="ALESSANDRO CIGLIANO" userId="S::a.cigliano1@studenti.unisa.it::f88872c2-4bc9-4d31-b05d-5a0cf3aafa9e" providerId="AD" clId="Web-{BC53DF82-78BE-84FA-D613-A9CFD3B96DA9}" dt="2026-01-13T11:34:23.339" v="469" actId="1076"/>
-      <pc:docMkLst>
-        <pc:docMk/>
-      </pc:docMkLst>
-      <pc:sldChg chg="modSp">
-        <pc:chgData name="ALESSANDRO CIGLIANO" userId="S::a.cigliano1@studenti.unisa.it::f88872c2-4bc9-4d31-b05d-5a0cf3aafa9e" providerId="AD" clId="Web-{BC53DF82-78BE-84FA-D613-A9CFD3B96DA9}" dt="2026-01-13T10:44:56.073" v="177" actId="20577"/>
-        <pc:sldMkLst>
-          <pc:docMk/>
-          <pc:sldMk cId="1688690467" sldId="257"/>
-        </pc:sldMkLst>
-        <pc:spChg chg="mod">
-          <ac:chgData name="ALESSANDRO CIGLIANO" userId="S::a.cigliano1@studenti.unisa.it::f88872c2-4bc9-4d31-b05d-5a0cf3aafa9e" providerId="AD" clId="Web-{BC53DF82-78BE-84FA-D613-A9CFD3B96DA9}" dt="2026-01-13T10:44:56.073" v="177" actId="20577"/>
-          <ac:spMkLst>
-            <pc:docMk/>
-            <pc:sldMk cId="1688690467" sldId="257"/>
-            <ac:spMk id="10" creationId="{3EA6F63F-355D-DD05-22B1-E3FA2A538B2C}"/>
-          </ac:spMkLst>
-        </pc:spChg>
-      </pc:sldChg>
-      <pc:sldChg chg="modSp">
-        <pc:chgData name="ALESSANDRO CIGLIANO" userId="S::a.cigliano1@studenti.unisa.it::f88872c2-4bc9-4d31-b05d-5a0cf3aafa9e" providerId="AD" clId="Web-{BC53DF82-78BE-84FA-D613-A9CFD3B96DA9}" dt="2026-01-13T11:08:43.042" v="343" actId="20577"/>
-        <pc:sldMkLst>
-          <pc:docMk/>
-          <pc:sldMk cId="3417758717" sldId="258"/>
-        </pc:sldMkLst>
-        <pc:spChg chg="mod">
-          <ac:chgData name="ALESSANDRO CIGLIANO" userId="S::a.cigliano1@studenti.unisa.it::f88872c2-4bc9-4d31-b05d-5a0cf3aafa9e" providerId="AD" clId="Web-{BC53DF82-78BE-84FA-D613-A9CFD3B96DA9}" dt="2026-01-13T11:08:43.042" v="343" actId="20577"/>
-          <ac:spMkLst>
-            <pc:docMk/>
-            <pc:sldMk cId="3417758717" sldId="258"/>
-            <ac:spMk id="3" creationId="{3FF41504-711C-DE48-1CD0-A8298BF996D8}"/>
-          </ac:spMkLst>
-        </pc:spChg>
       </pc:sldChg>
     </pc:docChg>
   </pc:docChgLst>
@@ -2242,6 +1410,582 @@
       </pc:sldChg>
     </pc:docChg>
   </pc:docChgLst>
+  <pc:docChgLst>
+    <pc:chgData name="ALESSANDRO CIGLIANO" userId="S::a.cigliano1@studenti.unisa.it::f88872c2-4bc9-4d31-b05d-5a0cf3aafa9e" providerId="AD" clId="Web-{BC53DF82-78BE-84FA-D613-A9CFD3B96DA9}"/>
+    <pc:docChg chg="modSld">
+      <pc:chgData name="ALESSANDRO CIGLIANO" userId="S::a.cigliano1@studenti.unisa.it::f88872c2-4bc9-4d31-b05d-5a0cf3aafa9e" providerId="AD" clId="Web-{BC53DF82-78BE-84FA-D613-A9CFD3B96DA9}" dt="2026-01-13T11:34:23.339" v="469" actId="1076"/>
+      <pc:docMkLst>
+        <pc:docMk/>
+      </pc:docMkLst>
+      <pc:sldChg chg="modSp">
+        <pc:chgData name="ALESSANDRO CIGLIANO" userId="S::a.cigliano1@studenti.unisa.it::f88872c2-4bc9-4d31-b05d-5a0cf3aafa9e" providerId="AD" clId="Web-{BC53DF82-78BE-84FA-D613-A9CFD3B96DA9}" dt="2026-01-13T10:44:56.073" v="177" actId="20577"/>
+        <pc:sldMkLst>
+          <pc:docMk/>
+          <pc:sldMk cId="1688690467" sldId="257"/>
+        </pc:sldMkLst>
+        <pc:spChg chg="mod">
+          <ac:chgData name="ALESSANDRO CIGLIANO" userId="S::a.cigliano1@studenti.unisa.it::f88872c2-4bc9-4d31-b05d-5a0cf3aafa9e" providerId="AD" clId="Web-{BC53DF82-78BE-84FA-D613-A9CFD3B96DA9}" dt="2026-01-13T10:44:56.073" v="177" actId="20577"/>
+          <ac:spMkLst>
+            <pc:docMk/>
+            <pc:sldMk cId="1688690467" sldId="257"/>
+            <ac:spMk id="10" creationId="{3EA6F63F-355D-DD05-22B1-E3FA2A538B2C}"/>
+          </ac:spMkLst>
+        </pc:spChg>
+      </pc:sldChg>
+      <pc:sldChg chg="modSp">
+        <pc:chgData name="ALESSANDRO CIGLIANO" userId="S::a.cigliano1@studenti.unisa.it::f88872c2-4bc9-4d31-b05d-5a0cf3aafa9e" providerId="AD" clId="Web-{BC53DF82-78BE-84FA-D613-A9CFD3B96DA9}" dt="2026-01-13T11:08:43.042" v="343" actId="20577"/>
+        <pc:sldMkLst>
+          <pc:docMk/>
+          <pc:sldMk cId="3417758717" sldId="258"/>
+        </pc:sldMkLst>
+        <pc:spChg chg="mod">
+          <ac:chgData name="ALESSANDRO CIGLIANO" userId="S::a.cigliano1@studenti.unisa.it::f88872c2-4bc9-4d31-b05d-5a0cf3aafa9e" providerId="AD" clId="Web-{BC53DF82-78BE-84FA-D613-A9CFD3B96DA9}" dt="2026-01-13T11:08:43.042" v="343" actId="20577"/>
+          <ac:spMkLst>
+            <pc:docMk/>
+            <pc:sldMk cId="3417758717" sldId="258"/>
+            <ac:spMk id="3" creationId="{3FF41504-711C-DE48-1CD0-A8298BF996D8}"/>
+          </ac:spMkLst>
+        </pc:spChg>
+      </pc:sldChg>
+    </pc:docChg>
+  </pc:docChgLst>
+  <pc:docChgLst>
+    <pc:chgData name="ALESSANDRO CIGLIANO" userId="f88872c2-4bc9-4d31-b05d-5a0cf3aafa9e" providerId="ADAL" clId="{9A025614-52A0-40B7-8307-9050F7E20BBC}"/>
+    <pc:docChg chg="undo custSel modSld">
+      <pc:chgData name="ALESSANDRO CIGLIANO" userId="f88872c2-4bc9-4d31-b05d-5a0cf3aafa9e" providerId="ADAL" clId="{9A025614-52A0-40B7-8307-9050F7E20BBC}" dt="2026-01-15T10:58:08.324" v="498" actId="20577"/>
+      <pc:docMkLst>
+        <pc:docMk/>
+      </pc:docMkLst>
+      <pc:sldChg chg="addSp delSp modSp mod">
+        <pc:chgData name="ALESSANDRO CIGLIANO" userId="f88872c2-4bc9-4d31-b05d-5a0cf3aafa9e" providerId="ADAL" clId="{9A025614-52A0-40B7-8307-9050F7E20BBC}" dt="2026-01-15T09:45:07.397" v="29" actId="14100"/>
+        <pc:sldMkLst>
+          <pc:docMk/>
+          <pc:sldMk cId="1723125402" sldId="262"/>
+        </pc:sldMkLst>
+        <pc:spChg chg="add del mod">
+          <ac:chgData name="ALESSANDRO CIGLIANO" userId="f88872c2-4bc9-4d31-b05d-5a0cf3aafa9e" providerId="ADAL" clId="{9A025614-52A0-40B7-8307-9050F7E20BBC}" dt="2026-01-15T09:44:56.709" v="26" actId="931"/>
+          <ac:spMkLst>
+            <pc:docMk/>
+            <pc:sldMk cId="1723125402" sldId="262"/>
+            <ac:spMk id="3" creationId="{A13693A3-4809-D50D-DCFB-83D29A1A5DED}"/>
+          </ac:spMkLst>
+        </pc:spChg>
+        <pc:spChg chg="mod">
+          <ac:chgData name="ALESSANDRO CIGLIANO" userId="f88872c2-4bc9-4d31-b05d-5a0cf3aafa9e" providerId="ADAL" clId="{9A025614-52A0-40B7-8307-9050F7E20BBC}" dt="2026-01-15T09:34:29.337" v="8" actId="1076"/>
+          <ac:spMkLst>
+            <pc:docMk/>
+            <pc:sldMk cId="1723125402" sldId="262"/>
+            <ac:spMk id="4" creationId="{4F06BDFE-4A1C-D6E9-C283-2247E3036892}"/>
+          </ac:spMkLst>
+        </pc:spChg>
+        <pc:spChg chg="mod">
+          <ac:chgData name="ALESSANDRO CIGLIANO" userId="f88872c2-4bc9-4d31-b05d-5a0cf3aafa9e" providerId="ADAL" clId="{9A025614-52A0-40B7-8307-9050F7E20BBC}" dt="2026-01-15T09:44:04.896" v="18" actId="20577"/>
+          <ac:spMkLst>
+            <pc:docMk/>
+            <pc:sldMk cId="1723125402" sldId="262"/>
+            <ac:spMk id="7" creationId="{C551DDE1-1E1F-F6AA-0436-C98EA7335CE0}"/>
+          </ac:spMkLst>
+        </pc:spChg>
+        <pc:spChg chg="add del mod">
+          <ac:chgData name="ALESSANDRO CIGLIANO" userId="f88872c2-4bc9-4d31-b05d-5a0cf3aafa9e" providerId="ADAL" clId="{9A025614-52A0-40B7-8307-9050F7E20BBC}" dt="2026-01-15T09:44:34.204" v="23" actId="478"/>
+          <ac:spMkLst>
+            <pc:docMk/>
+            <pc:sldMk cId="1723125402" sldId="262"/>
+            <ac:spMk id="10" creationId="{C254416D-4C30-C5DC-D58C-9754F511DFAA}"/>
+          </ac:spMkLst>
+        </pc:spChg>
+        <pc:picChg chg="add del mod">
+          <ac:chgData name="ALESSANDRO CIGLIANO" userId="f88872c2-4bc9-4d31-b05d-5a0cf3aafa9e" providerId="ADAL" clId="{9A025614-52A0-40B7-8307-9050F7E20BBC}" dt="2026-01-15T09:44:34.475" v="25" actId="931"/>
+          <ac:picMkLst>
+            <pc:docMk/>
+            <pc:sldMk cId="1723125402" sldId="262"/>
+            <ac:picMk id="8" creationId="{C1730B9C-EE5E-95D0-6956-3A9A8FF0D5A7}"/>
+          </ac:picMkLst>
+        </pc:picChg>
+        <pc:picChg chg="add mod">
+          <ac:chgData name="ALESSANDRO CIGLIANO" userId="f88872c2-4bc9-4d31-b05d-5a0cf3aafa9e" providerId="ADAL" clId="{9A025614-52A0-40B7-8307-9050F7E20BBC}" dt="2026-01-15T09:45:07.397" v="29" actId="14100"/>
+          <ac:picMkLst>
+            <pc:docMk/>
+            <pc:sldMk cId="1723125402" sldId="262"/>
+            <ac:picMk id="12" creationId="{E9CECB1A-D5D6-4A80-E618-294B06177B0E}"/>
+          </ac:picMkLst>
+        </pc:picChg>
+      </pc:sldChg>
+      <pc:sldChg chg="modSp mod">
+        <pc:chgData name="ALESSANDRO CIGLIANO" userId="f88872c2-4bc9-4d31-b05d-5a0cf3aafa9e" providerId="ADAL" clId="{9A025614-52A0-40B7-8307-9050F7E20BBC}" dt="2026-01-15T09:51:03.341" v="31" actId="1076"/>
+        <pc:sldMkLst>
+          <pc:docMk/>
+          <pc:sldMk cId="2682537389" sldId="263"/>
+        </pc:sldMkLst>
+        <pc:picChg chg="mod">
+          <ac:chgData name="ALESSANDRO CIGLIANO" userId="f88872c2-4bc9-4d31-b05d-5a0cf3aafa9e" providerId="ADAL" clId="{9A025614-52A0-40B7-8307-9050F7E20BBC}" dt="2026-01-15T09:51:00.977" v="30" actId="1076"/>
+          <ac:picMkLst>
+            <pc:docMk/>
+            <pc:sldMk cId="2682537389" sldId="263"/>
+            <ac:picMk id="8" creationId="{C2452485-80BB-3218-EC8A-A47D6698825E}"/>
+          </ac:picMkLst>
+        </pc:picChg>
+        <pc:picChg chg="mod">
+          <ac:chgData name="ALESSANDRO CIGLIANO" userId="f88872c2-4bc9-4d31-b05d-5a0cf3aafa9e" providerId="ADAL" clId="{9A025614-52A0-40B7-8307-9050F7E20BBC}" dt="2026-01-15T09:51:03.341" v="31" actId="1076"/>
+          <ac:picMkLst>
+            <pc:docMk/>
+            <pc:sldMk cId="2682537389" sldId="263"/>
+            <ac:picMk id="18" creationId="{0EB9D404-71A6-95F6-83A3-22B653DBECC3}"/>
+          </ac:picMkLst>
+        </pc:picChg>
+      </pc:sldChg>
+      <pc:sldChg chg="delSp modSp mod">
+        <pc:chgData name="ALESSANDRO CIGLIANO" userId="f88872c2-4bc9-4d31-b05d-5a0cf3aafa9e" providerId="ADAL" clId="{9A025614-52A0-40B7-8307-9050F7E20BBC}" dt="2026-01-15T10:11:51.024" v="67" actId="1076"/>
+        <pc:sldMkLst>
+          <pc:docMk/>
+          <pc:sldMk cId="3139327782" sldId="264"/>
+        </pc:sldMkLst>
+        <pc:spChg chg="mod">
+          <ac:chgData name="ALESSANDRO CIGLIANO" userId="f88872c2-4bc9-4d31-b05d-5a0cf3aafa9e" providerId="ADAL" clId="{9A025614-52A0-40B7-8307-9050F7E20BBC}" dt="2026-01-15T10:11:51.024" v="67" actId="1076"/>
+          <ac:spMkLst>
+            <pc:docMk/>
+            <pc:sldMk cId="3139327782" sldId="264"/>
+            <ac:spMk id="5" creationId="{EECD4F23-5667-FCD8-C424-EFAE56BD5180}"/>
+          </ac:spMkLst>
+        </pc:spChg>
+        <pc:picChg chg="mod ord">
+          <ac:chgData name="ALESSANDRO CIGLIANO" userId="f88872c2-4bc9-4d31-b05d-5a0cf3aafa9e" providerId="ADAL" clId="{9A025614-52A0-40B7-8307-9050F7E20BBC}" dt="2026-01-15T10:09:52.307" v="56" actId="1076"/>
+          <ac:picMkLst>
+            <pc:docMk/>
+            <pc:sldMk cId="3139327782" sldId="264"/>
+            <ac:picMk id="3" creationId="{28A3C189-F4D4-394C-A747-39BC8CA190C5}"/>
+          </ac:picMkLst>
+        </pc:picChg>
+        <pc:picChg chg="del mod">
+          <ac:chgData name="ALESSANDRO CIGLIANO" userId="f88872c2-4bc9-4d31-b05d-5a0cf3aafa9e" providerId="ADAL" clId="{9A025614-52A0-40B7-8307-9050F7E20BBC}" dt="2026-01-15T10:10:32.499" v="64" actId="478"/>
+          <ac:picMkLst>
+            <pc:docMk/>
+            <pc:sldMk cId="3139327782" sldId="264"/>
+            <ac:picMk id="4" creationId="{AE5E0B4D-925D-7FE8-5033-42F88071E462}"/>
+          </ac:picMkLst>
+        </pc:picChg>
+        <pc:picChg chg="mod">
+          <ac:chgData name="ALESSANDRO CIGLIANO" userId="f88872c2-4bc9-4d31-b05d-5a0cf3aafa9e" providerId="ADAL" clId="{9A025614-52A0-40B7-8307-9050F7E20BBC}" dt="2026-01-15T10:10:35.336" v="65" actId="1076"/>
+          <ac:picMkLst>
+            <pc:docMk/>
+            <pc:sldMk cId="3139327782" sldId="264"/>
+            <ac:picMk id="7" creationId="{FBA89CF4-26FD-5D2D-813D-84C60C2D9DB6}"/>
+          </ac:picMkLst>
+        </pc:picChg>
+      </pc:sldChg>
+      <pc:sldChg chg="addSp modSp mod">
+        <pc:chgData name="ALESSANDRO CIGLIANO" userId="f88872c2-4bc9-4d31-b05d-5a0cf3aafa9e" providerId="ADAL" clId="{9A025614-52A0-40B7-8307-9050F7E20BBC}" dt="2026-01-15T10:22:35.770" v="80" actId="962"/>
+        <pc:sldMkLst>
+          <pc:docMk/>
+          <pc:sldMk cId="2122952547" sldId="265"/>
+        </pc:sldMkLst>
+        <pc:picChg chg="add mod">
+          <ac:chgData name="ALESSANDRO CIGLIANO" userId="f88872c2-4bc9-4d31-b05d-5a0cf3aafa9e" providerId="ADAL" clId="{9A025614-52A0-40B7-8307-9050F7E20BBC}" dt="2026-01-15T10:19:47.144" v="72" actId="1076"/>
+          <ac:picMkLst>
+            <pc:docMk/>
+            <pc:sldMk cId="2122952547" sldId="265"/>
+            <ac:picMk id="4" creationId="{73C57AF8-F9E7-D588-8CA2-A04E515435BE}"/>
+          </ac:picMkLst>
+        </pc:picChg>
+        <pc:picChg chg="add mod">
+          <ac:chgData name="ALESSANDRO CIGLIANO" userId="f88872c2-4bc9-4d31-b05d-5a0cf3aafa9e" providerId="ADAL" clId="{9A025614-52A0-40B7-8307-9050F7E20BBC}" dt="2026-01-15T10:20:08.245" v="76" actId="1076"/>
+          <ac:picMkLst>
+            <pc:docMk/>
+            <pc:sldMk cId="2122952547" sldId="265"/>
+            <ac:picMk id="6" creationId="{3A9FB1EE-47D7-7FE6-20EC-8D27BF63B28F}"/>
+          </ac:picMkLst>
+        </pc:picChg>
+        <pc:picChg chg="add mod">
+          <ac:chgData name="ALESSANDRO CIGLIANO" userId="f88872c2-4bc9-4d31-b05d-5a0cf3aafa9e" providerId="ADAL" clId="{9A025614-52A0-40B7-8307-9050F7E20BBC}" dt="2026-01-15T10:22:35.770" v="80" actId="962"/>
+          <ac:picMkLst>
+            <pc:docMk/>
+            <pc:sldMk cId="2122952547" sldId="265"/>
+            <ac:picMk id="8" creationId="{DF08721C-0266-70D4-64FA-A79E1B01700E}"/>
+          </ac:picMkLst>
+        </pc:picChg>
+      </pc:sldChg>
+      <pc:sldChg chg="addSp modSp mod">
+        <pc:chgData name="ALESSANDRO CIGLIANO" userId="f88872c2-4bc9-4d31-b05d-5a0cf3aafa9e" providerId="ADAL" clId="{9A025614-52A0-40B7-8307-9050F7E20BBC}" dt="2026-01-15T10:44:00.286" v="168" actId="20577"/>
+        <pc:sldMkLst>
+          <pc:docMk/>
+          <pc:sldMk cId="2735039166" sldId="266"/>
+        </pc:sldMkLst>
+        <pc:spChg chg="mod">
+          <ac:chgData name="ALESSANDRO CIGLIANO" userId="f88872c2-4bc9-4d31-b05d-5a0cf3aafa9e" providerId="ADAL" clId="{9A025614-52A0-40B7-8307-9050F7E20BBC}" dt="2026-01-15T10:44:00.286" v="168" actId="20577"/>
+          <ac:spMkLst>
+            <pc:docMk/>
+            <pc:sldMk cId="2735039166" sldId="266"/>
+            <ac:spMk id="2" creationId="{19E66ECF-01C1-D4B0-560D-DFE938F1FA08}"/>
+          </ac:spMkLst>
+        </pc:spChg>
+        <pc:picChg chg="add mod">
+          <ac:chgData name="ALESSANDRO CIGLIANO" userId="f88872c2-4bc9-4d31-b05d-5a0cf3aafa9e" providerId="ADAL" clId="{9A025614-52A0-40B7-8307-9050F7E20BBC}" dt="2026-01-15T10:43:36.477" v="134" actId="1076"/>
+          <ac:picMkLst>
+            <pc:docMk/>
+            <pc:sldMk cId="2735039166" sldId="266"/>
+            <ac:picMk id="4" creationId="{0626CA62-1BD6-5102-19C6-F351EF638E71}"/>
+          </ac:picMkLst>
+        </pc:picChg>
+      </pc:sldChg>
+      <pc:sldChg chg="addSp delSp modSp mod setBg addAnim">
+        <pc:chgData name="ALESSANDRO CIGLIANO" userId="f88872c2-4bc9-4d31-b05d-5a0cf3aafa9e" providerId="ADAL" clId="{9A025614-52A0-40B7-8307-9050F7E20BBC}" dt="2026-01-15T10:42:03.383" v="119" actId="1076"/>
+        <pc:sldMkLst>
+          <pc:docMk/>
+          <pc:sldMk cId="3447666297" sldId="266"/>
+        </pc:sldMkLst>
+        <pc:spChg chg="mod ord">
+          <ac:chgData name="ALESSANDRO CIGLIANO" userId="f88872c2-4bc9-4d31-b05d-5a0cf3aafa9e" providerId="ADAL" clId="{9A025614-52A0-40B7-8307-9050F7E20BBC}" dt="2026-01-15T10:40:41.137" v="111" actId="26606"/>
+          <ac:spMkLst>
+            <pc:docMk/>
+            <pc:sldMk cId="3447666297" sldId="266"/>
+            <ac:spMk id="2" creationId="{EB631800-C8D8-E984-6ACD-59224395B66B}"/>
+          </ac:spMkLst>
+        </pc:spChg>
+        <pc:spChg chg="add del">
+          <ac:chgData name="ALESSANDRO CIGLIANO" userId="f88872c2-4bc9-4d31-b05d-5a0cf3aafa9e" providerId="ADAL" clId="{9A025614-52A0-40B7-8307-9050F7E20BBC}" dt="2026-01-15T10:40:26.228" v="106" actId="26606"/>
+          <ac:spMkLst>
+            <pc:docMk/>
+            <pc:sldMk cId="3447666297" sldId="266"/>
+            <ac:spMk id="230" creationId="{8B3F5CD4-CBC8-4A22-9DCC-0420CA28A09F}"/>
+          </ac:spMkLst>
+        </pc:spChg>
+        <pc:spChg chg="add del">
+          <ac:chgData name="ALESSANDRO CIGLIANO" userId="f88872c2-4bc9-4d31-b05d-5a0cf3aafa9e" providerId="ADAL" clId="{9A025614-52A0-40B7-8307-9050F7E20BBC}" dt="2026-01-15T10:40:41.137" v="111" actId="26606"/>
+          <ac:spMkLst>
+            <pc:docMk/>
+            <pc:sldMk cId="3447666297" sldId="266"/>
+            <ac:spMk id="293" creationId="{01958E0A-0BC1-424F-9B41-D614FC13A47E}"/>
+          </ac:spMkLst>
+        </pc:spChg>
+        <pc:spChg chg="add">
+          <ac:chgData name="ALESSANDRO CIGLIANO" userId="f88872c2-4bc9-4d31-b05d-5a0cf3aafa9e" providerId="ADAL" clId="{9A025614-52A0-40B7-8307-9050F7E20BBC}" dt="2026-01-15T10:40:41.137" v="111" actId="26606"/>
+          <ac:spMkLst>
+            <pc:docMk/>
+            <pc:sldMk cId="3447666297" sldId="266"/>
+            <ac:spMk id="440" creationId="{8B3F5CD4-CBC8-4A22-9DCC-0420CA28A09F}"/>
+          </ac:spMkLst>
+        </pc:spChg>
+        <pc:grpChg chg="add del">
+          <ac:chgData name="ALESSANDRO CIGLIANO" userId="f88872c2-4bc9-4d31-b05d-5a0cf3aafa9e" providerId="ADAL" clId="{9A025614-52A0-40B7-8307-9050F7E20BBC}" dt="2026-01-15T10:40:08.159" v="101" actId="26606"/>
+          <ac:grpSpMkLst>
+            <pc:docMk/>
+            <pc:sldMk cId="3447666297" sldId="266"/>
+            <ac:grpSpMk id="17" creationId="{9795E515-5F57-431F-9A0D-3A0419DF7572}"/>
+          </ac:grpSpMkLst>
+        </pc:grpChg>
+        <pc:grpChg chg="add del">
+          <ac:chgData name="ALESSANDRO CIGLIANO" userId="f88872c2-4bc9-4d31-b05d-5a0cf3aafa9e" providerId="ADAL" clId="{9A025614-52A0-40B7-8307-9050F7E20BBC}" dt="2026-01-15T10:40:08.159" v="101" actId="26606"/>
+          <ac:grpSpMkLst>
+            <pc:docMk/>
+            <pc:sldMk cId="3447666297" sldId="266"/>
+            <ac:grpSpMk id="73" creationId="{096A8A5D-137F-4A8A-9811-F7A867F02E3F}"/>
+          </ac:grpSpMkLst>
+        </pc:grpChg>
+        <pc:grpChg chg="add del">
+          <ac:chgData name="ALESSANDRO CIGLIANO" userId="f88872c2-4bc9-4d31-b05d-5a0cf3aafa9e" providerId="ADAL" clId="{9A025614-52A0-40B7-8307-9050F7E20BBC}" dt="2026-01-15T10:40:08.159" v="101" actId="26606"/>
+          <ac:grpSpMkLst>
+            <pc:docMk/>
+            <pc:sldMk cId="3447666297" sldId="266"/>
+            <ac:grpSpMk id="77" creationId="{0FA686C7-6B08-416F-AEF3-C204079363A8}"/>
+          </ac:grpSpMkLst>
+        </pc:grpChg>
+        <pc:grpChg chg="add del">
+          <ac:chgData name="ALESSANDRO CIGLIANO" userId="f88872c2-4bc9-4d31-b05d-5a0cf3aafa9e" providerId="ADAL" clId="{9A025614-52A0-40B7-8307-9050F7E20BBC}" dt="2026-01-15T10:40:08.159" v="101" actId="26606"/>
+          <ac:grpSpMkLst>
+            <pc:docMk/>
+            <pc:sldMk cId="3447666297" sldId="266"/>
+            <ac:grpSpMk id="133" creationId="{4C78E281-F596-4ECB-979A-89D89452AAD7}"/>
+          </ac:grpSpMkLst>
+        </pc:grpChg>
+        <pc:grpChg chg="add del">
+          <ac:chgData name="ALESSANDRO CIGLIANO" userId="f88872c2-4bc9-4d31-b05d-5a0cf3aafa9e" providerId="ADAL" clId="{9A025614-52A0-40B7-8307-9050F7E20BBC}" dt="2026-01-15T10:40:11.367" v="103" actId="26606"/>
+          <ac:grpSpMkLst>
+            <pc:docMk/>
+            <pc:sldMk cId="3447666297" sldId="266"/>
+            <ac:grpSpMk id="146" creationId="{9795E515-5F57-431F-9A0D-3A0419DF7572}"/>
+          </ac:grpSpMkLst>
+        </pc:grpChg>
+        <pc:grpChg chg="add del">
+          <ac:chgData name="ALESSANDRO CIGLIANO" userId="f88872c2-4bc9-4d31-b05d-5a0cf3aafa9e" providerId="ADAL" clId="{9A025614-52A0-40B7-8307-9050F7E20BBC}" dt="2026-01-15T10:40:11.367" v="103" actId="26606"/>
+          <ac:grpSpMkLst>
+            <pc:docMk/>
+            <pc:sldMk cId="3447666297" sldId="266"/>
+            <ac:grpSpMk id="201" creationId="{068ACACB-DD9E-4155-84BF-8E4D43DEC13D}"/>
+          </ac:grpSpMkLst>
+        </pc:grpChg>
+        <pc:grpChg chg="add del">
+          <ac:chgData name="ALESSANDRO CIGLIANO" userId="f88872c2-4bc9-4d31-b05d-5a0cf3aafa9e" providerId="ADAL" clId="{9A025614-52A0-40B7-8307-9050F7E20BBC}" dt="2026-01-15T10:40:11.367" v="103" actId="26606"/>
+          <ac:grpSpMkLst>
+            <pc:docMk/>
+            <pc:sldMk cId="3447666297" sldId="266"/>
+            <ac:grpSpMk id="204" creationId="{BF3AEE19-128A-4FF8-954B-A9724F42E0D4}"/>
+          </ac:grpSpMkLst>
+        </pc:grpChg>
+        <pc:grpChg chg="add del">
+          <ac:chgData name="ALESSANDRO CIGLIANO" userId="f88872c2-4bc9-4d31-b05d-5a0cf3aafa9e" providerId="ADAL" clId="{9A025614-52A0-40B7-8307-9050F7E20BBC}" dt="2026-01-15T10:40:26.228" v="106" actId="26606"/>
+          <ac:grpSpMkLst>
+            <pc:docMk/>
+            <pc:sldMk cId="3447666297" sldId="266"/>
+            <ac:grpSpMk id="229" creationId="{9795E515-5F57-431F-9A0D-3A0419DF7572}"/>
+          </ac:grpSpMkLst>
+        </pc:grpChg>
+        <pc:grpChg chg="add del">
+          <ac:chgData name="ALESSANDRO CIGLIANO" userId="f88872c2-4bc9-4d31-b05d-5a0cf3aafa9e" providerId="ADAL" clId="{9A025614-52A0-40B7-8307-9050F7E20BBC}" dt="2026-01-15T10:40:41.137" v="111" actId="26606"/>
+          <ac:grpSpMkLst>
+            <pc:docMk/>
+            <pc:sldMk cId="3447666297" sldId="266"/>
+            <ac:grpSpMk id="237" creationId="{9795E515-5F57-431F-9A0D-3A0419DF7572}"/>
+          </ac:grpSpMkLst>
+        </pc:grpChg>
+        <pc:grpChg chg="add del">
+          <ac:chgData name="ALESSANDRO CIGLIANO" userId="f88872c2-4bc9-4d31-b05d-5a0cf3aafa9e" providerId="ADAL" clId="{9A025614-52A0-40B7-8307-9050F7E20BBC}" dt="2026-01-15T10:40:41.118" v="110" actId="26606"/>
+          <ac:grpSpMkLst>
+            <pc:docMk/>
+            <pc:sldMk cId="3447666297" sldId="266"/>
+            <ac:grpSpMk id="300" creationId="{9795E515-5F57-431F-9A0D-3A0419DF7572}"/>
+          </ac:grpSpMkLst>
+        </pc:grpChg>
+        <pc:grpChg chg="add del">
+          <ac:chgData name="ALESSANDRO CIGLIANO" userId="f88872c2-4bc9-4d31-b05d-5a0cf3aafa9e" providerId="ADAL" clId="{9A025614-52A0-40B7-8307-9050F7E20BBC}" dt="2026-01-15T10:40:41.118" v="110" actId="26606"/>
+          <ac:grpSpMkLst>
+            <pc:docMk/>
+            <pc:sldMk cId="3447666297" sldId="266"/>
+            <ac:grpSpMk id="356" creationId="{316DCFC9-6877-407C-8170-608FCB8E35AE}"/>
+          </ac:grpSpMkLst>
+        </pc:grpChg>
+        <pc:grpChg chg="add del">
+          <ac:chgData name="ALESSANDRO CIGLIANO" userId="f88872c2-4bc9-4d31-b05d-5a0cf3aafa9e" providerId="ADAL" clId="{9A025614-52A0-40B7-8307-9050F7E20BBC}" dt="2026-01-15T10:40:41.118" v="110" actId="26606"/>
+          <ac:grpSpMkLst>
+            <pc:docMk/>
+            <pc:sldMk cId="3447666297" sldId="266"/>
+            <ac:grpSpMk id="360" creationId="{89353FE7-0D03-4AD2-8B8A-60A06F6BDA4C}"/>
+          </ac:grpSpMkLst>
+        </pc:grpChg>
+        <pc:grpChg chg="add">
+          <ac:chgData name="ALESSANDRO CIGLIANO" userId="f88872c2-4bc9-4d31-b05d-5a0cf3aafa9e" providerId="ADAL" clId="{9A025614-52A0-40B7-8307-9050F7E20BBC}" dt="2026-01-15T10:40:41.137" v="111" actId="26606"/>
+          <ac:grpSpMkLst>
+            <pc:docMk/>
+            <pc:sldMk cId="3447666297" sldId="266"/>
+            <ac:grpSpMk id="385" creationId="{9795E515-5F57-431F-9A0D-3A0419DF7572}"/>
+          </ac:grpSpMkLst>
+        </pc:grpChg>
+        <pc:picChg chg="add del mod">
+          <ac:chgData name="ALESSANDRO CIGLIANO" userId="f88872c2-4bc9-4d31-b05d-5a0cf3aafa9e" providerId="ADAL" clId="{9A025614-52A0-40B7-8307-9050F7E20BBC}" dt="2026-01-15T10:32:41.890" v="84" actId="478"/>
+          <ac:picMkLst>
+            <pc:docMk/>
+            <pc:sldMk cId="3447666297" sldId="266"/>
+            <ac:picMk id="4" creationId="{961D56DB-24A5-CA8D-AC5A-BF037FC7B9B7}"/>
+          </ac:picMkLst>
+        </pc:picChg>
+        <pc:picChg chg="del mod">
+          <ac:chgData name="ALESSANDRO CIGLIANO" userId="f88872c2-4bc9-4d31-b05d-5a0cf3aafa9e" providerId="ADAL" clId="{9A025614-52A0-40B7-8307-9050F7E20BBC}" dt="2026-01-15T10:39:06.536" v="93" actId="478"/>
+          <ac:picMkLst>
+            <pc:docMk/>
+            <pc:sldMk cId="3447666297" sldId="266"/>
+            <ac:picMk id="5" creationId="{C8E6C4DC-9975-B039-7D73-9191474CD962}"/>
+          </ac:picMkLst>
+        </pc:picChg>
+        <pc:picChg chg="add mod">
+          <ac:chgData name="ALESSANDRO CIGLIANO" userId="f88872c2-4bc9-4d31-b05d-5a0cf3aafa9e" providerId="ADAL" clId="{9A025614-52A0-40B7-8307-9050F7E20BBC}" dt="2026-01-15T10:32:54.188" v="89" actId="1076"/>
+          <ac:picMkLst>
+            <pc:docMk/>
+            <pc:sldMk cId="3447666297" sldId="266"/>
+            <ac:picMk id="6" creationId="{B5A364A2-D3ED-4093-3053-E1F4BB629CC7}"/>
+          </ac:picMkLst>
+        </pc:picChg>
+        <pc:picChg chg="add del mod">
+          <ac:chgData name="ALESSANDRO CIGLIANO" userId="f88872c2-4bc9-4d31-b05d-5a0cf3aafa9e" providerId="ADAL" clId="{9A025614-52A0-40B7-8307-9050F7E20BBC}" dt="2026-01-15T10:39:56.250" v="96" actId="478"/>
+          <ac:picMkLst>
+            <pc:docMk/>
+            <pc:sldMk cId="3447666297" sldId="266"/>
+            <ac:picMk id="8" creationId="{824F8B51-DCA6-40EB-2CEF-D98917122D44}"/>
+          </ac:picMkLst>
+        </pc:picChg>
+        <pc:picChg chg="add del mod">
+          <ac:chgData name="ALESSANDRO CIGLIANO" userId="f88872c2-4bc9-4d31-b05d-5a0cf3aafa9e" providerId="ADAL" clId="{9A025614-52A0-40B7-8307-9050F7E20BBC}" dt="2026-01-15T10:41:46.291" v="116" actId="478"/>
+          <ac:picMkLst>
+            <pc:docMk/>
+            <pc:sldMk cId="3447666297" sldId="266"/>
+            <ac:picMk id="10" creationId="{56653AD6-D71F-282D-8D4C-D4308B99DAD6}"/>
+          </ac:picMkLst>
+        </pc:picChg>
+        <pc:picChg chg="add del">
+          <ac:chgData name="ALESSANDRO CIGLIANO" userId="f88872c2-4bc9-4d31-b05d-5a0cf3aafa9e" providerId="ADAL" clId="{9A025614-52A0-40B7-8307-9050F7E20BBC}" dt="2026-01-15T10:40:08.159" v="101" actId="26606"/>
+          <ac:picMkLst>
+            <pc:docMk/>
+            <pc:sldMk cId="3447666297" sldId="266"/>
+            <ac:picMk id="15" creationId="{50C065C3-0FE3-4452-B765-CB05BBB2A983}"/>
+          </ac:picMkLst>
+        </pc:picChg>
+        <pc:picChg chg="add mod">
+          <ac:chgData name="ALESSANDRO CIGLIANO" userId="f88872c2-4bc9-4d31-b05d-5a0cf3aafa9e" providerId="ADAL" clId="{9A025614-52A0-40B7-8307-9050F7E20BBC}" dt="2026-01-15T10:42:03.383" v="119" actId="1076"/>
+          <ac:picMkLst>
+            <pc:docMk/>
+            <pc:sldMk cId="3447666297" sldId="266"/>
+            <ac:picMk id="61" creationId="{7B81BDD7-147D-2557-6EF7-649E95C583E8}"/>
+          </ac:picMkLst>
+        </pc:picChg>
+        <pc:picChg chg="add del">
+          <ac:chgData name="ALESSANDRO CIGLIANO" userId="f88872c2-4bc9-4d31-b05d-5a0cf3aafa9e" providerId="ADAL" clId="{9A025614-52A0-40B7-8307-9050F7E20BBC}" dt="2026-01-15T10:40:11.367" v="103" actId="26606"/>
+          <ac:picMkLst>
+            <pc:docMk/>
+            <pc:sldMk cId="3447666297" sldId="266"/>
+            <ac:picMk id="145" creationId="{50C065C3-0FE3-4452-B765-CB05BBB2A983}"/>
+          </ac:picMkLst>
+        </pc:picChg>
+        <pc:picChg chg="add del">
+          <ac:chgData name="ALESSANDRO CIGLIANO" userId="f88872c2-4bc9-4d31-b05d-5a0cf3aafa9e" providerId="ADAL" clId="{9A025614-52A0-40B7-8307-9050F7E20BBC}" dt="2026-01-15T10:40:26.228" v="106" actId="26606"/>
+          <ac:picMkLst>
+            <pc:docMk/>
+            <pc:sldMk cId="3447666297" sldId="266"/>
+            <ac:picMk id="228" creationId="{50C065C3-0FE3-4452-B765-CB05BBB2A983}"/>
+          </ac:picMkLst>
+        </pc:picChg>
+        <pc:picChg chg="add del">
+          <ac:chgData name="ALESSANDRO CIGLIANO" userId="f88872c2-4bc9-4d31-b05d-5a0cf3aafa9e" providerId="ADAL" clId="{9A025614-52A0-40B7-8307-9050F7E20BBC}" dt="2026-01-15T10:40:41.137" v="111" actId="26606"/>
+          <ac:picMkLst>
+            <pc:docMk/>
+            <pc:sldMk cId="3447666297" sldId="266"/>
+            <ac:picMk id="235" creationId="{50C065C3-0FE3-4452-B765-CB05BBB2A983}"/>
+          </ac:picMkLst>
+        </pc:picChg>
+        <pc:picChg chg="add del">
+          <ac:chgData name="ALESSANDRO CIGLIANO" userId="f88872c2-4bc9-4d31-b05d-5a0cf3aafa9e" providerId="ADAL" clId="{9A025614-52A0-40B7-8307-9050F7E20BBC}" dt="2026-01-15T10:40:41.118" v="110" actId="26606"/>
+          <ac:picMkLst>
+            <pc:docMk/>
+            <pc:sldMk cId="3447666297" sldId="266"/>
+            <ac:picMk id="298" creationId="{50C065C3-0FE3-4452-B765-CB05BBB2A983}"/>
+          </ac:picMkLst>
+        </pc:picChg>
+        <pc:picChg chg="add">
+          <ac:chgData name="ALESSANDRO CIGLIANO" userId="f88872c2-4bc9-4d31-b05d-5a0cf3aafa9e" providerId="ADAL" clId="{9A025614-52A0-40B7-8307-9050F7E20BBC}" dt="2026-01-15T10:40:41.137" v="111" actId="26606"/>
+          <ac:picMkLst>
+            <pc:docMk/>
+            <pc:sldMk cId="3447666297" sldId="266"/>
+            <ac:picMk id="384" creationId="{50C065C3-0FE3-4452-B765-CB05BBB2A983}"/>
+          </ac:picMkLst>
+        </pc:picChg>
+      </pc:sldChg>
+      <pc:sldChg chg="addSp delSp modSp mod">
+        <pc:chgData name="ALESSANDRO CIGLIANO" userId="f88872c2-4bc9-4d31-b05d-5a0cf3aafa9e" providerId="ADAL" clId="{9A025614-52A0-40B7-8307-9050F7E20BBC}" dt="2026-01-15T10:52:46.216" v="325" actId="14100"/>
+        <pc:sldMkLst>
+          <pc:docMk/>
+          <pc:sldMk cId="2109904441" sldId="267"/>
+        </pc:sldMkLst>
+        <pc:spChg chg="mod">
+          <ac:chgData name="ALESSANDRO CIGLIANO" userId="f88872c2-4bc9-4d31-b05d-5a0cf3aafa9e" providerId="ADAL" clId="{9A025614-52A0-40B7-8307-9050F7E20BBC}" dt="2026-01-15T10:51:41.085" v="309" actId="20577"/>
+          <ac:spMkLst>
+            <pc:docMk/>
+            <pc:sldMk cId="2109904441" sldId="267"/>
+            <ac:spMk id="3" creationId="{72A707C3-22D6-14FA-F7BE-E84A2550863A}"/>
+          </ac:spMkLst>
+        </pc:spChg>
+        <pc:spChg chg="del">
+          <ac:chgData name="ALESSANDRO CIGLIANO" userId="f88872c2-4bc9-4d31-b05d-5a0cf3aafa9e" providerId="ADAL" clId="{9A025614-52A0-40B7-8307-9050F7E20BBC}" dt="2026-01-15T10:51:48.294" v="310" actId="478"/>
+          <ac:spMkLst>
+            <pc:docMk/>
+            <pc:sldMk cId="2109904441" sldId="267"/>
+            <ac:spMk id="5" creationId="{FEAE6C08-F606-6504-D03B-69FA53DC0DC6}"/>
+          </ac:spMkLst>
+        </pc:spChg>
+        <pc:spChg chg="add del mod">
+          <ac:chgData name="ALESSANDRO CIGLIANO" userId="f88872c2-4bc9-4d31-b05d-5a0cf3aafa9e" providerId="ADAL" clId="{9A025614-52A0-40B7-8307-9050F7E20BBC}" dt="2026-01-15T10:52:19.790" v="318" actId="478"/>
+          <ac:spMkLst>
+            <pc:docMk/>
+            <pc:sldMk cId="2109904441" sldId="267"/>
+            <ac:spMk id="13" creationId="{FD7423AA-3877-71A7-2261-76F730D38D04}"/>
+          </ac:spMkLst>
+        </pc:spChg>
+        <pc:picChg chg="add mod">
+          <ac:chgData name="ALESSANDRO CIGLIANO" userId="f88872c2-4bc9-4d31-b05d-5a0cf3aafa9e" providerId="ADAL" clId="{9A025614-52A0-40B7-8307-9050F7E20BBC}" dt="2026-01-15T10:46:41.950" v="172" actId="962"/>
+          <ac:picMkLst>
+            <pc:docMk/>
+            <pc:sldMk cId="2109904441" sldId="267"/>
+            <ac:picMk id="4" creationId="{9F2EE3A8-95AC-49D7-022D-C17F1A5F3AC7}"/>
+          </ac:picMkLst>
+        </pc:picChg>
+        <pc:picChg chg="add mod">
+          <ac:chgData name="ALESSANDRO CIGLIANO" userId="f88872c2-4bc9-4d31-b05d-5a0cf3aafa9e" providerId="ADAL" clId="{9A025614-52A0-40B7-8307-9050F7E20BBC}" dt="2026-01-15T10:52:38.848" v="323" actId="14100"/>
+          <ac:picMkLst>
+            <pc:docMk/>
+            <pc:sldMk cId="2109904441" sldId="267"/>
+            <ac:picMk id="6" creationId="{9B5C53BF-2DDC-B694-7C2B-CDA60D3E9BAB}"/>
+          </ac:picMkLst>
+        </pc:picChg>
+        <pc:picChg chg="add mod">
+          <ac:chgData name="ALESSANDRO CIGLIANO" userId="f88872c2-4bc9-4d31-b05d-5a0cf3aafa9e" providerId="ADAL" clId="{9A025614-52A0-40B7-8307-9050F7E20BBC}" dt="2026-01-15T10:48:57.800" v="190" actId="1076"/>
+          <ac:picMkLst>
+            <pc:docMk/>
+            <pc:sldMk cId="2109904441" sldId="267"/>
+            <ac:picMk id="8" creationId="{82EE03FB-E1B1-2BEC-B232-7CDE5575FC1F}"/>
+          </ac:picMkLst>
+        </pc:picChg>
+        <pc:picChg chg="add mod">
+          <ac:chgData name="ALESSANDRO CIGLIANO" userId="f88872c2-4bc9-4d31-b05d-5a0cf3aafa9e" providerId="ADAL" clId="{9A025614-52A0-40B7-8307-9050F7E20BBC}" dt="2026-01-15T10:52:46.216" v="325" actId="14100"/>
+          <ac:picMkLst>
+            <pc:docMk/>
+            <pc:sldMk cId="2109904441" sldId="267"/>
+            <ac:picMk id="10" creationId="{93845A98-5F8E-BB11-752F-0F9F3279D71A}"/>
+          </ac:picMkLst>
+        </pc:picChg>
+        <pc:picChg chg="add del mod">
+          <ac:chgData name="ALESSANDRO CIGLIANO" userId="f88872c2-4bc9-4d31-b05d-5a0cf3aafa9e" providerId="ADAL" clId="{9A025614-52A0-40B7-8307-9050F7E20BBC}" dt="2026-01-15T10:48:47.691" v="189" actId="478"/>
+          <ac:picMkLst>
+            <pc:docMk/>
+            <pc:sldMk cId="2109904441" sldId="267"/>
+            <ac:picMk id="12" creationId="{106F1E79-DC2C-2983-5525-E173EC5A0CBC}"/>
+          </ac:picMkLst>
+        </pc:picChg>
+      </pc:sldChg>
+      <pc:sldChg chg="addSp modSp mod">
+        <pc:chgData name="ALESSANDRO CIGLIANO" userId="f88872c2-4bc9-4d31-b05d-5a0cf3aafa9e" providerId="ADAL" clId="{9A025614-52A0-40B7-8307-9050F7E20BBC}" dt="2026-01-15T10:58:08.324" v="498" actId="20577"/>
+        <pc:sldMkLst>
+          <pc:docMk/>
+          <pc:sldMk cId="3408580624" sldId="268"/>
+        </pc:sldMkLst>
+        <pc:spChg chg="mod">
+          <ac:chgData name="ALESSANDRO CIGLIANO" userId="f88872c2-4bc9-4d31-b05d-5a0cf3aafa9e" providerId="ADAL" clId="{9A025614-52A0-40B7-8307-9050F7E20BBC}" dt="2026-01-15T10:55:11.585" v="362" actId="20577"/>
+          <ac:spMkLst>
+            <pc:docMk/>
+            <pc:sldMk cId="3408580624" sldId="268"/>
+            <ac:spMk id="2" creationId="{33465D89-B332-D0CB-293A-ABFB659A1BB6}"/>
+          </ac:spMkLst>
+        </pc:spChg>
+        <pc:spChg chg="add mod">
+          <ac:chgData name="ALESSANDRO CIGLIANO" userId="f88872c2-4bc9-4d31-b05d-5a0cf3aafa9e" providerId="ADAL" clId="{9A025614-52A0-40B7-8307-9050F7E20BBC}" dt="2026-01-15T10:58:08.324" v="498" actId="20577"/>
+          <ac:spMkLst>
+            <pc:docMk/>
+            <pc:sldMk cId="3408580624" sldId="268"/>
+            <ac:spMk id="3" creationId="{FC39428D-ACBA-EF4E-30FB-98A0D0E1C303}"/>
+          </ac:spMkLst>
+        </pc:spChg>
+      </pc:sldChg>
+    </pc:docChg>
+  </pc:docChgLst>
+  <pc:docChgLst>
+    <pc:chgData name="ALESSANDRO CIGLIANO" userId="S::a.cigliano1@studenti.unisa.it::f88872c2-4bc9-4d31-b05d-5a0cf3aafa9e" providerId="AD" clId="Web-{6BCEE390-1355-5F51-5D1B-B7332667C44A}"/>
+    <pc:docChg chg="modSld">
+      <pc:chgData name="ALESSANDRO CIGLIANO" userId="S::a.cigliano1@studenti.unisa.it::f88872c2-4bc9-4d31-b05d-5a0cf3aafa9e" providerId="AD" clId="Web-{6BCEE390-1355-5F51-5D1B-B7332667C44A}" dt="2026-01-15T12:01:04.854" v="0"/>
+      <pc:docMkLst>
+        <pc:docMk/>
+      </pc:docMkLst>
+      <pc:sldChg chg="modSp">
+        <pc:chgData name="ALESSANDRO CIGLIANO" userId="S::a.cigliano1@studenti.unisa.it::f88872c2-4bc9-4d31-b05d-5a0cf3aafa9e" providerId="AD" clId="Web-{6BCEE390-1355-5F51-5D1B-B7332667C44A}" dt="2026-01-15T12:01:04.854" v="0"/>
+        <pc:sldMkLst>
+          <pc:docMk/>
+          <pc:sldMk cId="3254460375" sldId="269"/>
+        </pc:sldMkLst>
+        <pc:picChg chg="mod">
+          <ac:chgData name="ALESSANDRO CIGLIANO" userId="S::a.cigliano1@studenti.unisa.it::f88872c2-4bc9-4d31-b05d-5a0cf3aafa9e" providerId="AD" clId="Web-{6BCEE390-1355-5F51-5D1B-B7332667C44A}" dt="2026-01-15T12:01:04.854" v="0"/>
+          <ac:picMkLst>
+            <pc:docMk/>
+            <pc:sldMk cId="3254460375" sldId="269"/>
+            <ac:picMk id="3" creationId="{2AFA1189-0344-6ED2-FF65-BBC970A633EF}"/>
+          </ac:picMkLst>
+        </pc:picChg>
+      </pc:sldChg>
+    </pc:docChg>
+  </pc:docChgLst>
 </pc:chgInfo>
 </file>
 
@@ -2327,7 +2071,7 @@
           <a:p>
             <a:fld id="{CE24404D-C2E0-4B0D-8675-ED7D1A01BE27}" type="datetimeFigureOut">
               <a:rPr lang="it-IT" smtClean="0"/>
-              <a:t>15/01/2026</a:t>
+              <a:t>31/01/2026</a:t>
             </a:fld>
             <a:endParaRPr lang="it-IT"/>
           </a:p>
@@ -2485,7 +2229,7 @@
           <a:p>
             <a:fld id="{6E46AEBE-E2BF-49AC-AE85-42C182B6ED96}" type="slidenum">
               <a:rPr lang="it-IT" smtClean="0"/>
-              <a:t>‹#›</a:t>
+              <a:t>‹N›</a:t>
             </a:fld>
             <a:endParaRPr lang="it-IT"/>
           </a:p>
@@ -7608,7 +7352,7 @@
           <a:p>
             <a:fld id="{7DA38F49-B3E2-4BF0-BEC7-C30D34ABBB8D}" type="datetime1">
               <a:rPr lang="en-US" smtClean="0"/>
-              <a:t>1/15/2026</a:t>
+              <a:t>1/31/2026</a:t>
             </a:fld>
             <a:endParaRPr lang="en-US"/>
           </a:p>
@@ -7660,7 +7404,7 @@
           <a:p>
             <a:fld id="{70C12960-6E85-460F-B6E3-5B82CB31AF3D}" type="slidenum">
               <a:rPr lang="en-US" smtClean="0"/>
-              <a:t>‹#›</a:t>
+              <a:t>‹N›</a:t>
             </a:fld>
             <a:endParaRPr lang="en-US"/>
           </a:p>
@@ -7876,7 +7620,7 @@
           <a:p>
             <a:fld id="{7DA38F49-B3E2-4BF0-BEC7-C30D34ABBB8D}" type="datetime1">
               <a:rPr lang="en-US" smtClean="0"/>
-              <a:t>1/15/2026</a:t>
+              <a:t>1/31/2026</a:t>
             </a:fld>
             <a:endParaRPr lang="en-US"/>
           </a:p>
@@ -7918,7 +7662,7 @@
           <a:p>
             <a:fld id="{70C12960-6E85-460F-B6E3-5B82CB31AF3D}" type="slidenum">
               <a:rPr lang="en-US" smtClean="0"/>
-              <a:t>‹#›</a:t>
+              <a:t>‹N›</a:t>
             </a:fld>
             <a:endParaRPr lang="en-US"/>
           </a:p>
@@ -8073,7 +7817,7 @@
           <a:p>
             <a:fld id="{7DA38F49-B3E2-4BF0-BEC7-C30D34ABBB8D}" type="datetime1">
               <a:rPr lang="en-US" smtClean="0"/>
-              <a:t>1/15/2026</a:t>
+              <a:t>1/31/2026</a:t>
             </a:fld>
             <a:endParaRPr lang="en-US"/>
           </a:p>
@@ -8115,7 +7859,7 @@
           <a:p>
             <a:fld id="{70C12960-6E85-460F-B6E3-5B82CB31AF3D}" type="slidenum">
               <a:rPr lang="en-US" smtClean="0"/>
-              <a:t>‹#›</a:t>
+              <a:t>‹N›</a:t>
             </a:fld>
             <a:endParaRPr lang="en-US"/>
           </a:p>
@@ -8337,7 +8081,7 @@
           <a:p>
             <a:fld id="{7DA38F49-B3E2-4BF0-BEC7-C30D34ABBB8D}" type="datetime1">
               <a:rPr lang="en-US" smtClean="0"/>
-              <a:t>1/15/2026</a:t>
+              <a:t>1/31/2026</a:t>
             </a:fld>
             <a:endParaRPr lang="en-US"/>
           </a:p>
@@ -8379,7 +8123,7 @@
           <a:p>
             <a:fld id="{70C12960-6E85-460F-B6E3-5B82CB31AF3D}" type="slidenum">
               <a:rPr lang="en-US" smtClean="0"/>
-              <a:t>‹#›</a:t>
+              <a:t>‹N›</a:t>
             </a:fld>
             <a:endParaRPr lang="en-US"/>
           </a:p>
@@ -8772,7 +8516,7 @@
           <a:p>
             <a:fld id="{7DA38F49-B3E2-4BF0-BEC7-C30D34ABBB8D}" type="datetime1">
               <a:rPr lang="en-US" smtClean="0"/>
-              <a:t>1/15/2026</a:t>
+              <a:t>1/31/2026</a:t>
             </a:fld>
             <a:endParaRPr lang="en-US"/>
           </a:p>
@@ -8814,7 +8558,7 @@
           <a:p>
             <a:fld id="{70C12960-6E85-460F-B6E3-5B82CB31AF3D}" type="slidenum">
               <a:rPr lang="en-US" smtClean="0"/>
-              <a:t>‹#›</a:t>
+              <a:t>‹N›</a:t>
             </a:fld>
             <a:endParaRPr lang="en-US"/>
           </a:p>
@@ -9319,7 +9063,7 @@
           <a:p>
             <a:fld id="{7DA38F49-B3E2-4BF0-BEC7-C30D34ABBB8D}" type="datetime1">
               <a:rPr lang="en-US" smtClean="0"/>
-              <a:t>1/15/2026</a:t>
+              <a:t>1/31/2026</a:t>
             </a:fld>
             <a:endParaRPr lang="en-US"/>
           </a:p>
@@ -9361,7 +9105,7 @@
           <a:p>
             <a:fld id="{70C12960-6E85-460F-B6E3-5B82CB31AF3D}" type="slidenum">
               <a:rPr lang="en-US" smtClean="0"/>
-              <a:t>‹#›</a:t>
+              <a:t>‹N›</a:t>
             </a:fld>
             <a:endParaRPr lang="en-US"/>
           </a:p>
@@ -10040,7 +9784,7 @@
           <a:p>
             <a:fld id="{7DA38F49-B3E2-4BF0-BEC7-C30D34ABBB8D}" type="datetime1">
               <a:rPr lang="en-US" smtClean="0"/>
-              <a:t>1/15/2026</a:t>
+              <a:t>1/31/2026</a:t>
             </a:fld>
             <a:endParaRPr lang="en-US"/>
           </a:p>
@@ -10082,7 +9826,7 @@
           <a:p>
             <a:fld id="{70C12960-6E85-460F-B6E3-5B82CB31AF3D}" type="slidenum">
               <a:rPr lang="en-US" smtClean="0"/>
-              <a:t>‹#›</a:t>
+              <a:t>‹N›</a:t>
             </a:fld>
             <a:endParaRPr lang="en-US"/>
           </a:p>
@@ -10211,7 +9955,7 @@
           <a:p>
             <a:fld id="{7DA38F49-B3E2-4BF0-BEC7-C30D34ABBB8D}" type="datetime1">
               <a:rPr lang="en-US" smtClean="0"/>
-              <a:t>1/15/2026</a:t>
+              <a:t>1/31/2026</a:t>
             </a:fld>
             <a:endParaRPr lang="en-US"/>
           </a:p>
@@ -10253,7 +9997,7 @@
           <a:p>
             <a:fld id="{70C12960-6E85-460F-B6E3-5B82CB31AF3D}" type="slidenum">
               <a:rPr lang="en-US" smtClean="0"/>
-              <a:t>‹#›</a:t>
+              <a:t>‹N›</a:t>
             </a:fld>
             <a:endParaRPr lang="en-US"/>
           </a:p>
@@ -10392,7 +10136,7 @@
           <a:p>
             <a:fld id="{7DA38F49-B3E2-4BF0-BEC7-C30D34ABBB8D}" type="datetime1">
               <a:rPr lang="en-US" smtClean="0"/>
-              <a:t>1/15/2026</a:t>
+              <a:t>1/31/2026</a:t>
             </a:fld>
             <a:endParaRPr lang="en-US"/>
           </a:p>
@@ -10434,7 +10178,7 @@
           <a:p>
             <a:fld id="{70C12960-6E85-460F-B6E3-5B82CB31AF3D}" type="slidenum">
               <a:rPr lang="en-US" smtClean="0"/>
-              <a:t>‹#›</a:t>
+              <a:t>‹N›</a:t>
             </a:fld>
             <a:endParaRPr lang="en-US"/>
           </a:p>
@@ -10563,7 +10307,7 @@
           <a:p>
             <a:fld id="{7DA38F49-B3E2-4BF0-BEC7-C30D34ABBB8D}" type="datetime1">
               <a:rPr lang="en-US" smtClean="0"/>
-              <a:t>1/15/2026</a:t>
+              <a:t>1/31/2026</a:t>
             </a:fld>
             <a:endParaRPr lang="en-US"/>
           </a:p>
@@ -10605,7 +10349,7 @@
           <a:p>
             <a:fld id="{70C12960-6E85-460F-B6E3-5B82CB31AF3D}" type="slidenum">
               <a:rPr lang="en-US" smtClean="0"/>
-              <a:t>‹#›</a:t>
+              <a:t>‹N›</a:t>
             </a:fld>
             <a:endParaRPr lang="en-US"/>
           </a:p>
@@ -10814,7 +10558,7 @@
           <a:p>
             <a:fld id="{7DA38F49-B3E2-4BF0-BEC7-C30D34ABBB8D}" type="datetime1">
               <a:rPr lang="en-US" smtClean="0"/>
-              <a:t>1/15/2026</a:t>
+              <a:t>1/31/2026</a:t>
             </a:fld>
             <a:endParaRPr lang="en-US"/>
           </a:p>
@@ -10856,7 +10600,7 @@
           <a:p>
             <a:fld id="{70C12960-6E85-460F-B6E3-5B82CB31AF3D}" type="slidenum">
               <a:rPr lang="en-US" smtClean="0"/>
-              <a:t>‹#›</a:t>
+              <a:t>‹N›</a:t>
             </a:fld>
             <a:endParaRPr lang="en-US"/>
           </a:p>
@@ -11047,7 +10791,7 @@
           <a:p>
             <a:fld id="{7DA38F49-B3E2-4BF0-BEC7-C30D34ABBB8D}" type="datetime1">
               <a:rPr lang="en-US" smtClean="0"/>
-              <a:t>1/15/2026</a:t>
+              <a:t>1/31/2026</a:t>
             </a:fld>
             <a:endParaRPr lang="en-US"/>
           </a:p>
@@ -11089,7 +10833,7 @@
           <a:p>
             <a:fld id="{70C12960-6E85-460F-B6E3-5B82CB31AF3D}" type="slidenum">
               <a:rPr lang="en-US" smtClean="0"/>
-              <a:t>‹#›</a:t>
+              <a:t>‹N›</a:t>
             </a:fld>
             <a:endParaRPr lang="en-US"/>
           </a:p>
@@ -11429,7 +11173,7 @@
           <a:p>
             <a:fld id="{7DA38F49-B3E2-4BF0-BEC7-C30D34ABBB8D}" type="datetime1">
               <a:rPr lang="en-US" smtClean="0"/>
-              <a:t>1/15/2026</a:t>
+              <a:t>1/31/2026</a:t>
             </a:fld>
             <a:endParaRPr lang="en-US"/>
           </a:p>
@@ -11471,7 +11215,7 @@
           <a:p>
             <a:fld id="{70C12960-6E85-460F-B6E3-5B82CB31AF3D}" type="slidenum">
               <a:rPr lang="en-US" smtClean="0"/>
-              <a:t>‹#›</a:t>
+              <a:t>‹N›</a:t>
             </a:fld>
             <a:endParaRPr lang="en-US"/>
           </a:p>
@@ -11548,7 +11292,7 @@
           <a:p>
             <a:fld id="{7DA38F49-B3E2-4BF0-BEC7-C30D34ABBB8D}" type="datetime1">
               <a:rPr lang="en-US" smtClean="0"/>
-              <a:t>1/15/2026</a:t>
+              <a:t>1/31/2026</a:t>
             </a:fld>
             <a:endParaRPr lang="en-US"/>
           </a:p>
@@ -11590,7 +11334,7 @@
           <a:p>
             <a:fld id="{70C12960-6E85-460F-B6E3-5B82CB31AF3D}" type="slidenum">
               <a:rPr lang="en-US" smtClean="0"/>
-              <a:t>‹#›</a:t>
+              <a:t>‹N›</a:t>
             </a:fld>
             <a:endParaRPr lang="en-US"/>
           </a:p>
@@ -11644,7 +11388,7 @@
           <a:p>
             <a:fld id="{7DA38F49-B3E2-4BF0-BEC7-C30D34ABBB8D}" type="datetime1">
               <a:rPr lang="en-US" smtClean="0"/>
-              <a:t>1/15/2026</a:t>
+              <a:t>1/31/2026</a:t>
             </a:fld>
             <a:endParaRPr lang="en-US"/>
           </a:p>
@@ -11686,7 +11430,7 @@
           <a:p>
             <a:fld id="{70C12960-6E85-460F-B6E3-5B82CB31AF3D}" type="slidenum">
               <a:rPr lang="en-US" smtClean="0"/>
-              <a:t>‹#›</a:t>
+              <a:t>‹N›</a:t>
             </a:fld>
             <a:endParaRPr lang="en-US"/>
           </a:p>
@@ -11894,7 +11638,7 @@
           <a:p>
             <a:fld id="{7DA38F49-B3E2-4BF0-BEC7-C30D34ABBB8D}" type="datetime1">
               <a:rPr lang="en-US" smtClean="0"/>
-              <a:t>1/15/2026</a:t>
+              <a:t>1/31/2026</a:t>
             </a:fld>
             <a:endParaRPr lang="en-US"/>
           </a:p>
@@ -11936,7 +11680,7 @@
           <a:p>
             <a:fld id="{70C12960-6E85-460F-B6E3-5B82CB31AF3D}" type="slidenum">
               <a:rPr lang="en-US" smtClean="0"/>
-              <a:t>‹#›</a:t>
+              <a:t>‹N›</a:t>
             </a:fld>
             <a:endParaRPr lang="en-US"/>
           </a:p>
@@ -12175,7 +11919,7 @@
           <a:p>
             <a:fld id="{7DA38F49-B3E2-4BF0-BEC7-C30D34ABBB8D}" type="datetime1">
               <a:rPr lang="en-US" smtClean="0"/>
-              <a:t>1/15/2026</a:t>
+              <a:t>1/31/2026</a:t>
             </a:fld>
             <a:endParaRPr lang="en-US"/>
           </a:p>
@@ -12217,7 +11961,7 @@
           <a:p>
             <a:fld id="{70C12960-6E85-460F-B6E3-5B82CB31AF3D}" type="slidenum">
               <a:rPr lang="en-US" smtClean="0"/>
-              <a:t>‹#›</a:t>
+              <a:t>‹N›</a:t>
             </a:fld>
             <a:endParaRPr lang="en-US"/>
           </a:p>
@@ -15512,7 +15256,7 @@
           <a:p>
             <a:fld id="{7DA38F49-B3E2-4BF0-BEC7-C30D34ABBB8D}" type="datetime1">
               <a:rPr lang="en-US" smtClean="0"/>
-              <a:t>1/15/2026</a:t>
+              <a:t>1/31/2026</a:t>
             </a:fld>
             <a:endParaRPr lang="en-US"/>
           </a:p>
@@ -15590,7 +15334,7 @@
           <a:p>
             <a:fld id="{70C12960-6E85-460F-B6E3-5B82CB31AF3D}" type="slidenum">
               <a:rPr lang="en-US" smtClean="0"/>
-              <a:t>‹#›</a:t>
+              <a:t>‹N›</a:t>
             </a:fld>
             <a:endParaRPr lang="en-US"/>
           </a:p>
@@ -19658,18 +19402,14 @@
         </p:blipFill>
         <p:spPr>
           <a:xfrm>
-            <a:off x="6803716" y="2599267"/>
-            <a:ext cx="4243695" cy="3697320"/>
+            <a:off x="6530527" y="2497666"/>
+            <a:ext cx="4340397" cy="4340397"/>
           </a:xfrm>
           <a:prstGeom prst="rect">
             <a:avLst/>
           </a:prstGeom>
           <a:ln w="38100">
-            <a:solidFill>
-              <a:schemeClr val="accent1">
-                <a:lumMod val="75000"/>
-              </a:schemeClr>
-            </a:solidFill>
+            <a:noFill/>
           </a:ln>
         </p:spPr>
       </p:pic>
@@ -19759,10 +19499,10 @@
       </p:sp>
       <p:pic>
         <p:nvPicPr>
-          <p:cNvPr id="11" name="Immagine 10">
+          <p:cNvPr id="3" name="Immagine 2">
             <a:extLst>
               <a:ext uri="{FF2B5EF4-FFF2-40B4-BE49-F238E27FC236}">
-                <a16:creationId xmlns:a16="http://schemas.microsoft.com/office/drawing/2014/main" id="{AFFEB3E8-43A0-DB5A-55FE-CB6CAD00E566}"/>
+                <a16:creationId xmlns:a16="http://schemas.microsoft.com/office/drawing/2014/main" id="{1F778124-3BDE-3FEA-FA52-95AEC98F37F3}"/>
               </a:ext>
             </a:extLst>
           </p:cNvPr>
@@ -19784,18 +19524,14 @@
         </p:blipFill>
         <p:spPr>
           <a:xfrm>
-            <a:off x="1141413" y="2599267"/>
-            <a:ext cx="4243695" cy="3697320"/>
+            <a:off x="1321076" y="2497667"/>
+            <a:ext cx="4340397" cy="4340397"/>
           </a:xfrm>
           <a:prstGeom prst="rect">
             <a:avLst/>
           </a:prstGeom>
           <a:ln w="38100">
-            <a:solidFill>
-              <a:schemeClr val="accent1">
-                <a:lumMod val="75000"/>
-              </a:schemeClr>
-            </a:solidFill>
+            <a:noFill/>
           </a:ln>
         </p:spPr>
       </p:pic>
